--- a/presentation/Slot Machine.pptx
+++ b/presentation/Slot Machine.pptx
@@ -12,9 +12,9 @@
   </p:handoutMasterIdLst>
   <p:sldIdLst>
     <p:sldId id="256" r:id="rId2"/>
-    <p:sldId id="272" r:id="rId3"/>
-    <p:sldId id="271" r:id="rId4"/>
-    <p:sldId id="257" r:id="rId5"/>
+    <p:sldId id="273" r:id="rId3"/>
+    <p:sldId id="257" r:id="rId4"/>
+    <p:sldId id="274" r:id="rId5"/>
     <p:sldId id="263" r:id="rId6"/>
   </p:sldIdLst>
   <p:sldSz cx="12192000" cy="6858000"/>
@@ -230,7 +230,7 @@
           <a:p>
             <a:fld id="{B9539AE3-23C8-4A75-AE3D-7834E3577537}" type="datetime1">
               <a:rPr lang="fr-FR" smtClean="0"/>
-              <a:t>17/04/2017</a:t>
+              <a:t>19/04/2017</a:t>
             </a:fld>
             <a:endParaRPr lang="fr-FR" dirty="0"/>
           </a:p>
@@ -398,7 +398,7 @@
             <a:fld id="{D425C0D5-EBC5-4903-B8F4-E0E49FF04D64}" type="datetime1">
               <a:rPr lang="fr-FR" smtClean="0"/>
               <a:pPr/>
-              <a:t>17/04/2017</a:t>
+              <a:t>19/04/2017</a:t>
             </a:fld>
             <a:endParaRPr lang="fr-FR" dirty="0"/>
           </a:p>
@@ -2739,7 +2739,7 @@
         <p:spPr>
           <a:xfrm>
             <a:off x="855620" y="2933105"/>
-            <a:ext cx="9582736" cy="1137793"/>
+            <a:ext cx="4489464" cy="1137793"/>
           </a:xfrm>
         </p:spPr>
         <p:txBody>
@@ -2811,6 +2811,54 @@
               <a:solidFill>
                 <a:schemeClr val="bg1"/>
               </a:solidFill>
+            </a:endParaRPr>
+          </a:p>
+        </p:txBody>
+      </p:sp>
+      <p:sp>
+        <p:nvSpPr>
+          <p:cNvPr id="4" name="ZoneTexte 3"/>
+          <p:cNvSpPr txBox="1"/>
+          <p:nvPr/>
+        </p:nvSpPr>
+        <p:spPr>
+          <a:xfrm>
+            <a:off x="7180811" y="2933105"/>
+            <a:ext cx="4172989" cy="424732"/>
+          </a:xfrm>
+          <a:prstGeom prst="rect">
+            <a:avLst/>
+          </a:prstGeom>
+          <a:noFill/>
+        </p:spPr>
+        <p:txBody>
+          <a:bodyPr wrap="square" rtlCol="0">
+            <a:spAutoFit/>
+          </a:bodyPr>
+          <a:lstStyle/>
+          <a:p>
+            <a:pPr>
+              <a:lnSpc>
+                <a:spcPct val="90000"/>
+              </a:lnSpc>
+              <a:spcBef>
+                <a:spcPct val="30000"/>
+              </a:spcBef>
+            </a:pPr>
+            <a:r>
+              <a:rPr lang="fr-FR" sz="2400" dirty="0">
+                <a:solidFill>
+                  <a:schemeClr val="bg1"/>
+                </a:solidFill>
+                <a:latin typeface="+mj-lt"/>
+              </a:rPr>
+              <a:t>projet-javascript.ga</a:t>
+            </a:r>
+            <a:endParaRPr lang="fr-FR" sz="2400" dirty="0">
+              <a:solidFill>
+                <a:schemeClr val="bg1"/>
+              </a:solidFill>
+              <a:latin typeface="+mj-lt"/>
             </a:endParaRPr>
           </a:p>
         </p:txBody>
@@ -2825,14 +2873,21 @@
   <p:clrMapOvr>
     <a:masterClrMapping/>
   </p:clrMapOvr>
-  <mc:AlternateContent xmlns:mc="http://schemas.openxmlformats.org/markup-compatibility/2006">
-    <mc:Choice xmlns:p14="http://schemas.microsoft.com/office/powerpoint/2010/main" Requires="p14">
+  <mc:AlternateContent xmlns:mc="http://schemas.openxmlformats.org/markup-compatibility/2006" xmlns:p14="http://schemas.microsoft.com/office/powerpoint/2010/main">
+    <mc:Choice Requires="p14">
       <p:transition p14:dur="10"/>
     </mc:Choice>
-    <mc:Fallback>
+    <mc:Fallback xmlns="">
       <p:transition/>
     </mc:Fallback>
   </mc:AlternateContent>
+  <p:timing>
+    <p:tnLst>
+      <p:par>
+        <p:cTn id="1" dur="indefinite" restart="never" nodeType="tmRoot"/>
+      </p:par>
+    </p:tnLst>
+  </p:timing>
 </p:sld>
 </file>
 
@@ -2865,7 +2920,9 @@
         </p:nvSpPr>
         <p:spPr/>
         <p:txBody>
-          <a:bodyPr/>
+          <a:bodyPr>
+            <a:noAutofit/>
+          </a:bodyPr>
           <a:lstStyle/>
           <a:p>
             <a:r>
@@ -2877,151 +2934,158 @@
       </p:sp>
       <p:sp>
         <p:nvSpPr>
-          <p:cNvPr id="4" name="Espace réservé du numéro de diapositive 8"/>
-          <p:cNvSpPr txBox="1">
-            <a:spLocks/>
+          <p:cNvPr id="3" name="Espace réservé du contenu 2"/>
+          <p:cNvSpPr>
+            <a:spLocks noGrp="1"/>
           </p:cNvSpPr>
-          <p:nvPr/>
+          <p:nvPr>
+            <p:ph sz="half" idx="2"/>
+          </p:nvPr>
         </p:nvSpPr>
         <p:spPr>
           <a:xfrm>
-            <a:off x="8647651" y="6205350"/>
-            <a:ext cx="3276600" cy="365125"/>
+            <a:off x="699553" y="1547390"/>
+            <a:ext cx="4413626" cy="555731"/>
+          </a:xfrm>
+        </p:spPr>
+        <p:txBody>
+          <a:bodyPr>
+            <a:normAutofit/>
+          </a:bodyPr>
+          <a:lstStyle/>
+          <a:p>
+            <a:pPr>
+              <a:spcAft>
+                <a:spcPts val="2000"/>
+              </a:spcAft>
+            </a:pPr>
+            <a:r>
+              <a:rPr lang="fr-FR" sz="2000" dirty="0">
+                <a:solidFill>
+                  <a:prstClr val="black">
+                    <a:lumMod val="75000"/>
+                    <a:lumOff val="25000"/>
+                  </a:prstClr>
+                </a:solidFill>
+              </a:rPr>
+              <a:t>sur Ordinateur</a:t>
+            </a:r>
+            <a:endParaRPr lang="fr-FR" sz="2000" dirty="0">
+              <a:solidFill>
+                <a:prstClr val="black">
+                  <a:lumMod val="75000"/>
+                  <a:lumOff val="25000"/>
+                </a:prstClr>
+              </a:solidFill>
+            </a:endParaRPr>
+          </a:p>
+        </p:txBody>
+      </p:sp>
+      <p:cxnSp>
+        <p:nvCxnSpPr>
+          <p:cNvPr id="7" name="Connecteur droit 6"/>
+          <p:cNvCxnSpPr/>
+          <p:nvPr/>
+        </p:nvCxnSpPr>
+        <p:spPr>
+          <a:xfrm>
+            <a:off x="6096000" y="1898775"/>
+            <a:ext cx="0" cy="4520901"/>
+          </a:xfrm>
+          <a:prstGeom prst="line">
+            <a:avLst/>
+          </a:prstGeom>
+          <a:ln>
+            <a:solidFill>
+              <a:srgbClr val="D24726"/>
+            </a:solidFill>
+          </a:ln>
+        </p:spPr>
+        <p:style>
+          <a:lnRef idx="3">
+            <a:schemeClr val="accent2"/>
+          </a:lnRef>
+          <a:fillRef idx="0">
+            <a:schemeClr val="accent2"/>
+          </a:fillRef>
+          <a:effectRef idx="2">
+            <a:schemeClr val="accent2"/>
+          </a:effectRef>
+          <a:fontRef idx="minor">
+            <a:schemeClr val="tx1"/>
+          </a:fontRef>
+        </p:style>
+      </p:cxnSp>
+      <p:sp>
+        <p:nvSpPr>
+          <p:cNvPr id="9" name="ZoneTexte 8"/>
+          <p:cNvSpPr txBox="1"/>
+          <p:nvPr/>
+        </p:nvSpPr>
+        <p:spPr>
+          <a:xfrm>
+            <a:off x="6774873" y="1547390"/>
+            <a:ext cx="4472247" cy="323165"/>
           </a:xfrm>
           <a:prstGeom prst="rect">
             <a:avLst/>
           </a:prstGeom>
+          <a:noFill/>
         </p:spPr>
         <p:txBody>
-          <a:bodyPr/>
+          <a:bodyPr wrap="square" rtlCol="0">
+            <a:spAutoFit/>
+          </a:bodyPr>
           <a:lstStyle>
             <a:defPPr rtl="0">
               <a:defRPr lang="fr-FR"/>
             </a:defPPr>
-            <a:lvl1pPr marL="0" algn="l" defTabSz="914400" rtl="0" eaLnBrk="1" latinLnBrk="0" hangingPunct="1">
-              <a:defRPr sz="1800" kern="1200">
-                <a:solidFill>
-                  <a:schemeClr val="tx1"/>
-                </a:solidFill>
-                <a:latin typeface="+mn-lt"/>
-                <a:ea typeface="+mn-ea"/>
-                <a:cs typeface="+mn-cs"/>
-              </a:defRPr>
-            </a:lvl1pPr>
-            <a:lvl2pPr marL="457200" algn="l" defTabSz="914400" rtl="0" eaLnBrk="1" latinLnBrk="0" hangingPunct="1">
-              <a:defRPr sz="1800" kern="1200">
-                <a:solidFill>
-                  <a:schemeClr val="tx1"/>
-                </a:solidFill>
-                <a:latin typeface="+mn-lt"/>
-                <a:ea typeface="+mn-ea"/>
-                <a:cs typeface="+mn-cs"/>
-              </a:defRPr>
-            </a:lvl2pPr>
-            <a:lvl3pPr marL="914400" algn="l" defTabSz="914400" rtl="0" eaLnBrk="1" latinLnBrk="0" hangingPunct="1">
-              <a:defRPr sz="1800" kern="1200">
-                <a:solidFill>
-                  <a:schemeClr val="tx1"/>
-                </a:solidFill>
-                <a:latin typeface="+mn-lt"/>
-                <a:ea typeface="+mn-ea"/>
-                <a:cs typeface="+mn-cs"/>
-              </a:defRPr>
-            </a:lvl3pPr>
-            <a:lvl4pPr marL="1371600" algn="l" defTabSz="914400" rtl="0" eaLnBrk="1" latinLnBrk="0" hangingPunct="1">
-              <a:defRPr sz="1800" kern="1200">
-                <a:solidFill>
-                  <a:schemeClr val="tx1"/>
-                </a:solidFill>
-                <a:latin typeface="+mn-lt"/>
-                <a:ea typeface="+mn-ea"/>
-                <a:cs typeface="+mn-cs"/>
-              </a:defRPr>
-            </a:lvl4pPr>
-            <a:lvl5pPr marL="1828800" algn="l" defTabSz="914400" rtl="0" eaLnBrk="1" latinLnBrk="0" hangingPunct="1">
-              <a:defRPr sz="1800" kern="1200">
-                <a:solidFill>
-                  <a:schemeClr val="tx1"/>
-                </a:solidFill>
-                <a:latin typeface="+mn-lt"/>
-                <a:ea typeface="+mn-ea"/>
-                <a:cs typeface="+mn-cs"/>
-              </a:defRPr>
-            </a:lvl5pPr>
-            <a:lvl6pPr marL="2286000" algn="l" defTabSz="914400" rtl="0" eaLnBrk="1" latinLnBrk="0" hangingPunct="1">
-              <a:defRPr sz="1800" kern="1200">
-                <a:solidFill>
-                  <a:schemeClr val="tx1"/>
-                </a:solidFill>
-                <a:latin typeface="+mn-lt"/>
-                <a:ea typeface="+mn-ea"/>
-                <a:cs typeface="+mn-cs"/>
-              </a:defRPr>
-            </a:lvl6pPr>
-            <a:lvl7pPr marL="2743200" algn="l" defTabSz="914400" rtl="0" eaLnBrk="1" latinLnBrk="0" hangingPunct="1">
-              <a:defRPr sz="1800" kern="1200">
-                <a:solidFill>
-                  <a:schemeClr val="tx1"/>
-                </a:solidFill>
-                <a:latin typeface="+mn-lt"/>
-                <a:ea typeface="+mn-ea"/>
-                <a:cs typeface="+mn-cs"/>
-              </a:defRPr>
-            </a:lvl7pPr>
-            <a:lvl8pPr marL="3200400" algn="l" defTabSz="914400" rtl="0" eaLnBrk="1" latinLnBrk="0" hangingPunct="1">
-              <a:defRPr sz="1800" kern="1200">
-                <a:solidFill>
-                  <a:schemeClr val="tx1"/>
-                </a:solidFill>
-                <a:latin typeface="+mn-lt"/>
-                <a:ea typeface="+mn-ea"/>
-                <a:cs typeface="+mn-cs"/>
-              </a:defRPr>
-            </a:lvl8pPr>
-            <a:lvl9pPr marL="3657600" algn="l" defTabSz="914400" rtl="0" eaLnBrk="1" latinLnBrk="0" hangingPunct="1">
-              <a:defRPr sz="1800" kern="1200">
-                <a:solidFill>
-                  <a:schemeClr val="tx1"/>
-                </a:solidFill>
-                <a:latin typeface="+mn-lt"/>
-                <a:ea typeface="+mn-ea"/>
-                <a:cs typeface="+mn-cs"/>
-              </a:defRPr>
-            </a:lvl9pPr>
           </a:lstStyle>
           <a:p>
-            <a:pPr algn="r"/>
-            <a:fld id="{9860EDB8-5305-433F-BE41-D7A86D811DB3}" type="slidenum">
-              <a:rPr lang="fr-FR" smtClean="0">
-                <a:solidFill>
-                  <a:schemeClr val="bg1">
-                    <a:lumMod val="50000"/>
-                  </a:schemeClr>
+            <a:pPr marL="228600" indent="-228600">
+              <a:lnSpc>
+                <a:spcPts val="1800"/>
+              </a:lnSpc>
+              <a:spcBef>
+                <a:spcPts val="1000"/>
+              </a:spcBef>
+              <a:spcAft>
+                <a:spcPts val="2000"/>
+              </a:spcAft>
+              <a:buFont typeface="Arial" panose="020B0604020202020204" pitchFamily="34" charset="0"/>
+              <a:buChar char="•"/>
+            </a:pPr>
+            <a:r>
+              <a:rPr lang="fr-FR" sz="2000" dirty="0">
+                <a:solidFill>
+                  <a:prstClr val="black">
+                    <a:lumMod val="75000"/>
+                    <a:lumOff val="25000"/>
+                  </a:prstClr>
                 </a:solidFill>
               </a:rPr>
-              <a:pPr algn="r"/>
-              <a:t>2</a:t>
-            </a:fld>
-            <a:endParaRPr lang="fr-FR" dirty="0">
-              <a:solidFill>
-                <a:schemeClr val="bg1">
-                  <a:lumMod val="50000"/>
-                </a:schemeClr>
-              </a:solidFill>
-            </a:endParaRPr>
+              <a:t>Sur Téléphone</a:t>
+            </a:r>
           </a:p>
         </p:txBody>
       </p:sp>
     </p:spTree>
     <p:extLst>
       <p:ext uri="{BB962C8B-B14F-4D97-AF65-F5344CB8AC3E}">
-        <p14:creationId xmlns:p14="http://schemas.microsoft.com/office/powerpoint/2010/main" val="1183485904"/>
+        <p14:creationId xmlns:p14="http://schemas.microsoft.com/office/powerpoint/2010/main" val="18290741"/>
       </p:ext>
     </p:extLst>
   </p:cSld>
   <p:clrMapOvr>
     <a:masterClrMapping/>
   </p:clrMapOvr>
+  <p:timing>
+    <p:tnLst>
+      <p:par>
+        <p:cTn id="1" dur="indefinite" restart="never" nodeType="tmRoot"/>
+      </p:par>
+    </p:tnLst>
+  </p:timing>
 </p:sld>
 </file>
 
@@ -3044,7 +3108,7 @@
       </p:grpSpPr>
       <p:sp>
         <p:nvSpPr>
-          <p:cNvPr id="7" name="Espace réservé du texte 6"/>
+          <p:cNvPr id="4" name="Espace réservé du texte 3"/>
           <p:cNvSpPr>
             <a:spLocks noGrp="1"/>
           </p:cNvSpPr>
@@ -3055,7 +3119,7 @@
         <p:spPr>
           <a:xfrm>
             <a:off x="516710" y="443128"/>
-            <a:ext cx="9004361" cy="641350"/>
+            <a:ext cx="6118005" cy="641350"/>
           </a:xfrm>
         </p:spPr>
         <p:txBody>
@@ -3064,17 +3128,130 @@
           </a:bodyPr>
           <a:lstStyle/>
           <a:p>
-            <a:pPr rtl="0"/>
-            <a:r>
-              <a:rPr lang="fr-FR" dirty="0"/>
-              <a:t>Problèmes</a:t>
-            </a:r>
-          </a:p>
-        </p:txBody>
-      </p:sp>
-      <p:sp>
-        <p:nvSpPr>
-          <p:cNvPr id="24" name="Espace réservé du numéro de diapositive 8"/>
+            <a:pPr lvl="0" rtl="0"/>
+            <a:r>
+              <a:rPr lang="fr-FR" dirty="0" smtClean="0">
+                <a:solidFill>
+                  <a:srgbClr val="E7E6E6">
+                    <a:lumMod val="25000"/>
+                  </a:srgbClr>
+                </a:solidFill>
+              </a:rPr>
+              <a:t>Difficultés</a:t>
+            </a:r>
+            <a:r>
+              <a:rPr lang="fr-FR" dirty="0">
+                <a:solidFill>
+                  <a:srgbClr val="E7E6E6">
+                    <a:lumMod val="25000"/>
+                  </a:srgbClr>
+                </a:solidFill>
+              </a:rPr>
+              <a:t>…</a:t>
+            </a:r>
+          </a:p>
+        </p:txBody>
+      </p:sp>
+      <p:sp>
+        <p:nvSpPr>
+          <p:cNvPr id="5" name="Espace réservé du contenu 4"/>
+          <p:cNvSpPr>
+            <a:spLocks noGrp="1"/>
+          </p:cNvSpPr>
+          <p:nvPr>
+            <p:ph sz="half" idx="2"/>
+          </p:nvPr>
+        </p:nvSpPr>
+        <p:spPr>
+          <a:xfrm>
+            <a:off x="541609" y="1526795"/>
+            <a:ext cx="7632756" cy="4948819"/>
+          </a:xfrm>
+        </p:spPr>
+        <p:txBody>
+          <a:bodyPr rtlCol="0">
+            <a:normAutofit/>
+          </a:bodyPr>
+          <a:lstStyle/>
+          <a:p>
+            <a:pPr>
+              <a:spcAft>
+                <a:spcPts val="2000"/>
+              </a:spcAft>
+            </a:pPr>
+            <a:r>
+              <a:rPr lang="fr-FR" sz="2000" dirty="0">
+                <a:solidFill>
+                  <a:prstClr val="black">
+                    <a:lumMod val="75000"/>
+                    <a:lumOff val="25000"/>
+                  </a:prstClr>
+                </a:solidFill>
+              </a:rPr>
+              <a:t>Remplir le </a:t>
+            </a:r>
+            <a:r>
+              <a:rPr lang="fr-FR" sz="2000" dirty="0" smtClean="0">
+                <a:solidFill>
+                  <a:prstClr val="black">
+                    <a:lumMod val="75000"/>
+                    <a:lumOff val="25000"/>
+                  </a:prstClr>
+                </a:solidFill>
+              </a:rPr>
+              <a:t>PowerPoint</a:t>
+            </a:r>
+          </a:p>
+          <a:p>
+            <a:pPr>
+              <a:spcAft>
+                <a:spcPts val="2000"/>
+              </a:spcAft>
+            </a:pPr>
+            <a:endParaRPr lang="fr-FR" sz="2000" dirty="0" smtClean="0">
+              <a:solidFill>
+                <a:prstClr val="black">
+                  <a:lumMod val="75000"/>
+                  <a:lumOff val="25000"/>
+                </a:prstClr>
+              </a:solidFill>
+            </a:endParaRPr>
+          </a:p>
+          <a:p>
+            <a:pPr>
+              <a:spcAft>
+                <a:spcPts val="2000"/>
+              </a:spcAft>
+            </a:pPr>
+            <a:endParaRPr lang="fr-FR" sz="2000" dirty="0" smtClean="0">
+              <a:solidFill>
+                <a:prstClr val="black">
+                  <a:lumMod val="75000"/>
+                  <a:lumOff val="25000"/>
+                </a:prstClr>
+              </a:solidFill>
+            </a:endParaRPr>
+          </a:p>
+          <a:p>
+            <a:pPr>
+              <a:spcAft>
+                <a:spcPts val="2000"/>
+              </a:spcAft>
+            </a:pPr>
+            <a:endParaRPr lang="fr-FR" sz="2000" dirty="0">
+              <a:solidFill>
+                <a:prstClr val="black">
+                  <a:lumMod val="75000"/>
+                  <a:lumOff val="25000"/>
+                </a:prstClr>
+              </a:solidFill>
+            </a:endParaRPr>
+          </a:p>
+        </p:txBody>
+      </p:sp>
+      <p:sp>
+        <p:nvSpPr>
+          <p:cNvPr id="17" name="Espace réservé du numéro de diapositive 8"/>
           <p:cNvSpPr txBox="1">
             <a:spLocks/>
           </p:cNvSpPr>
@@ -3212,25 +3389,32 @@
     </p:spTree>
     <p:extLst>
       <p:ext uri="{BB962C8B-B14F-4D97-AF65-F5344CB8AC3E}">
-        <p14:creationId xmlns:p14="http://schemas.microsoft.com/office/powerpoint/2010/main" val="3457616166"/>
+        <p14:creationId xmlns:p14="http://schemas.microsoft.com/office/powerpoint/2010/main" val="1328676004"/>
       </p:ext>
     </p:extLst>
   </p:cSld>
   <p:clrMapOvr>
     <a:masterClrMapping/>
   </p:clrMapOvr>
-  <mc:AlternateContent xmlns:mc="http://schemas.openxmlformats.org/markup-compatibility/2006">
-    <mc:Choice xmlns:p14="http://schemas.microsoft.com/office/powerpoint/2010/main" Requires="p14">
+  <mc:AlternateContent xmlns:mc="http://schemas.openxmlformats.org/markup-compatibility/2006" xmlns:p14="http://schemas.microsoft.com/office/powerpoint/2010/main">
+    <mc:Choice Requires="p14">
       <p:transition spd="med" p14:dur="700">
         <p:fade/>
       </p:transition>
     </mc:Choice>
-    <mc:Fallback>
+    <mc:Fallback xmlns="">
       <p:transition spd="med">
         <p:fade/>
       </p:transition>
     </mc:Fallback>
   </mc:AlternateContent>
+  <p:timing>
+    <p:tnLst>
+      <p:par>
+        <p:cTn id="1" dur="indefinite" restart="never" nodeType="tmRoot"/>
+      </p:par>
+    </p:tnLst>
+  </p:timing>
 </p:sld>
 </file>
 
@@ -3253,7 +3437,7 @@
       </p:grpSpPr>
       <p:sp>
         <p:nvSpPr>
-          <p:cNvPr id="4" name="Espace réservé du texte 3"/>
+          <p:cNvPr id="2" name="Espace réservé du texte 1"/>
           <p:cNvSpPr>
             <a:spLocks noGrp="1"/>
           </p:cNvSpPr>
@@ -3261,35 +3445,22 @@
             <p:ph type="body" idx="1"/>
           </p:nvPr>
         </p:nvSpPr>
-        <p:spPr>
-          <a:xfrm>
-            <a:off x="516710" y="443128"/>
-            <a:ext cx="6118005" cy="641350"/>
-          </a:xfrm>
-        </p:spPr>
-        <p:txBody>
-          <a:bodyPr rtlCol="0">
-            <a:normAutofit/>
-          </a:bodyPr>
+        <p:spPr/>
+        <p:txBody>
+          <a:bodyPr/>
           <a:lstStyle/>
           <a:p>
-            <a:pPr lvl="0" rtl="0"/>
-            <a:r>
-              <a:rPr lang="fr-FR" dirty="0">
-                <a:solidFill>
-                  <a:srgbClr val="E7E6E6">
-                    <a:lumMod val="25000"/>
-                  </a:srgbClr>
-                </a:solidFill>
-              </a:rPr>
-              <a:t>Difficultés…</a:t>
-            </a:r>
-          </a:p>
-        </p:txBody>
-      </p:sp>
-      <p:sp>
-        <p:nvSpPr>
-          <p:cNvPr id="5" name="Espace réservé du contenu 4"/>
+            <a:r>
+              <a:rPr lang="fr-FR" dirty="0" smtClean="0"/>
+              <a:t>Notes</a:t>
+            </a:r>
+            <a:endParaRPr lang="fr-FR" dirty="0"/>
+          </a:p>
+        </p:txBody>
+      </p:sp>
+      <p:sp>
+        <p:nvSpPr>
+          <p:cNvPr id="3" name="Espace réservé du contenu 2"/>
           <p:cNvSpPr>
             <a:spLocks noGrp="1"/>
           </p:cNvSpPr>
@@ -3297,14 +3468,9 @@
             <p:ph sz="half" idx="2"/>
           </p:nvPr>
         </p:nvSpPr>
-        <p:spPr>
-          <a:xfrm>
-            <a:off x="541609" y="1526796"/>
-            <a:ext cx="7632756" cy="1447516"/>
-          </a:xfrm>
-        </p:spPr>
-        <p:txBody>
-          <a:bodyPr rtlCol="0">
+        <p:spPr/>
+        <p:txBody>
+          <a:bodyPr>
             <a:normAutofit/>
           </a:bodyPr>
           <a:lstStyle/>
@@ -3323,143 +3489,121 @@
                   </a:prstClr>
                 </a:solidFill>
               </a:rPr>
-              <a:t>Remplir le PowerPoint</a:t>
-            </a:r>
-          </a:p>
-        </p:txBody>
-      </p:sp>
-      <p:sp>
-        <p:nvSpPr>
-          <p:cNvPr id="17" name="Espace réservé du numéro de diapositive 8"/>
-          <p:cNvSpPr txBox="1">
-            <a:spLocks/>
-          </p:cNvSpPr>
-          <p:nvPr/>
-        </p:nvSpPr>
-        <p:spPr>
-          <a:xfrm>
-            <a:off x="8647651" y="6205350"/>
-            <a:ext cx="3276600" cy="365125"/>
-          </a:xfrm>
-          <a:prstGeom prst="rect">
-            <a:avLst/>
-          </a:prstGeom>
-        </p:spPr>
-        <p:txBody>
-          <a:bodyPr/>
-          <a:lstStyle>
-            <a:defPPr rtl="0">
-              <a:defRPr lang="fr-FR"/>
-            </a:defPPr>
-            <a:lvl1pPr marL="0" algn="l" defTabSz="914400" rtl="0" eaLnBrk="1" latinLnBrk="0" hangingPunct="1">
-              <a:defRPr sz="1800" kern="1200">
-                <a:solidFill>
-                  <a:schemeClr val="tx1"/>
-                </a:solidFill>
-                <a:latin typeface="+mn-lt"/>
-                <a:ea typeface="+mn-ea"/>
-                <a:cs typeface="+mn-cs"/>
-              </a:defRPr>
-            </a:lvl1pPr>
-            <a:lvl2pPr marL="457200" algn="l" defTabSz="914400" rtl="0" eaLnBrk="1" latinLnBrk="0" hangingPunct="1">
-              <a:defRPr sz="1800" kern="1200">
-                <a:solidFill>
-                  <a:schemeClr val="tx1"/>
-                </a:solidFill>
-                <a:latin typeface="+mn-lt"/>
-                <a:ea typeface="+mn-ea"/>
-                <a:cs typeface="+mn-cs"/>
-              </a:defRPr>
-            </a:lvl2pPr>
-            <a:lvl3pPr marL="914400" algn="l" defTabSz="914400" rtl="0" eaLnBrk="1" latinLnBrk="0" hangingPunct="1">
-              <a:defRPr sz="1800" kern="1200">
-                <a:solidFill>
-                  <a:schemeClr val="tx1"/>
-                </a:solidFill>
-                <a:latin typeface="+mn-lt"/>
-                <a:ea typeface="+mn-ea"/>
-                <a:cs typeface="+mn-cs"/>
-              </a:defRPr>
-            </a:lvl3pPr>
-            <a:lvl4pPr marL="1371600" algn="l" defTabSz="914400" rtl="0" eaLnBrk="1" latinLnBrk="0" hangingPunct="1">
-              <a:defRPr sz="1800" kern="1200">
-                <a:solidFill>
-                  <a:schemeClr val="tx1"/>
-                </a:solidFill>
-                <a:latin typeface="+mn-lt"/>
-                <a:ea typeface="+mn-ea"/>
-                <a:cs typeface="+mn-cs"/>
-              </a:defRPr>
-            </a:lvl4pPr>
-            <a:lvl5pPr marL="1828800" algn="l" defTabSz="914400" rtl="0" eaLnBrk="1" latinLnBrk="0" hangingPunct="1">
-              <a:defRPr sz="1800" kern="1200">
-                <a:solidFill>
-                  <a:schemeClr val="tx1"/>
-                </a:solidFill>
-                <a:latin typeface="+mn-lt"/>
-                <a:ea typeface="+mn-ea"/>
-                <a:cs typeface="+mn-cs"/>
-              </a:defRPr>
-            </a:lvl5pPr>
-            <a:lvl6pPr marL="2286000" algn="l" defTabSz="914400" rtl="0" eaLnBrk="1" latinLnBrk="0" hangingPunct="1">
-              <a:defRPr sz="1800" kern="1200">
-                <a:solidFill>
-                  <a:schemeClr val="tx1"/>
-                </a:solidFill>
-                <a:latin typeface="+mn-lt"/>
-                <a:ea typeface="+mn-ea"/>
-                <a:cs typeface="+mn-cs"/>
-              </a:defRPr>
-            </a:lvl6pPr>
-            <a:lvl7pPr marL="2743200" algn="l" defTabSz="914400" rtl="0" eaLnBrk="1" latinLnBrk="0" hangingPunct="1">
-              <a:defRPr sz="1800" kern="1200">
-                <a:solidFill>
-                  <a:schemeClr val="tx1"/>
-                </a:solidFill>
-                <a:latin typeface="+mn-lt"/>
-                <a:ea typeface="+mn-ea"/>
-                <a:cs typeface="+mn-cs"/>
-              </a:defRPr>
-            </a:lvl7pPr>
-            <a:lvl8pPr marL="3200400" algn="l" defTabSz="914400" rtl="0" eaLnBrk="1" latinLnBrk="0" hangingPunct="1">
-              <a:defRPr sz="1800" kern="1200">
-                <a:solidFill>
-                  <a:schemeClr val="tx1"/>
-                </a:solidFill>
-                <a:latin typeface="+mn-lt"/>
-                <a:ea typeface="+mn-ea"/>
-                <a:cs typeface="+mn-cs"/>
-              </a:defRPr>
-            </a:lvl8pPr>
-            <a:lvl9pPr marL="3657600" algn="l" defTabSz="914400" rtl="0" eaLnBrk="1" latinLnBrk="0" hangingPunct="1">
-              <a:defRPr sz="1800" kern="1200">
-                <a:solidFill>
-                  <a:schemeClr val="tx1"/>
-                </a:solidFill>
-                <a:latin typeface="+mn-lt"/>
-                <a:ea typeface="+mn-ea"/>
-                <a:cs typeface="+mn-cs"/>
-              </a:defRPr>
-            </a:lvl9pPr>
-          </a:lstStyle>
-          <a:p>
-            <a:pPr algn="r"/>
-            <a:fld id="{9860EDB8-5305-433F-BE41-D7A86D811DB3}" type="slidenum">
-              <a:rPr lang="fr-FR" smtClean="0">
-                <a:solidFill>
-                  <a:schemeClr val="bg1">
-                    <a:lumMod val="50000"/>
-                  </a:schemeClr>
+              <a:t>Tristan Ramirez : </a:t>
+            </a:r>
+            <a:r>
+              <a:rPr lang="fr-FR" sz="2000" dirty="0" smtClean="0">
+                <a:solidFill>
+                  <a:prstClr val="black">
+                    <a:lumMod val="75000"/>
+                    <a:lumOff val="25000"/>
+                  </a:prstClr>
                 </a:solidFill>
               </a:rPr>
-              <a:pPr algn="r"/>
-              <a:t>4</a:t>
-            </a:fld>
-            <a:endParaRPr lang="fr-FR" dirty="0">
+              <a:t>20</a:t>
+            </a:r>
+            <a:endParaRPr lang="fr-FR" sz="2000" dirty="0">
               <a:solidFill>
-                <a:schemeClr val="bg1">
-                  <a:lumMod val="50000"/>
-                </a:schemeClr>
+                <a:prstClr val="black">
+                  <a:lumMod val="75000"/>
+                  <a:lumOff val="25000"/>
+                </a:prstClr>
+              </a:solidFill>
+            </a:endParaRPr>
+          </a:p>
+          <a:p>
+            <a:pPr>
+              <a:spcAft>
+                <a:spcPts val="2000"/>
+              </a:spcAft>
+            </a:pPr>
+            <a:r>
+              <a:rPr lang="fr-FR" sz="2000" dirty="0">
+                <a:solidFill>
+                  <a:prstClr val="black">
+                    <a:lumMod val="75000"/>
+                    <a:lumOff val="25000"/>
+                  </a:prstClr>
+                </a:solidFill>
+              </a:rPr>
+              <a:t>Robin </a:t>
+            </a:r>
+            <a:r>
+              <a:rPr lang="fr-FR" sz="2000" dirty="0" err="1">
+                <a:solidFill>
+                  <a:prstClr val="black">
+                    <a:lumMod val="75000"/>
+                    <a:lumOff val="25000"/>
+                  </a:prstClr>
+                </a:solidFill>
+              </a:rPr>
+              <a:t>Silvert</a:t>
+            </a:r>
+            <a:r>
+              <a:rPr lang="fr-FR" sz="2000" dirty="0">
+                <a:solidFill>
+                  <a:prstClr val="black">
+                    <a:lumMod val="75000"/>
+                    <a:lumOff val="25000"/>
+                  </a:prstClr>
+                </a:solidFill>
+              </a:rPr>
+              <a:t> </a:t>
+            </a:r>
+            <a:r>
+              <a:rPr lang="fr-FR" sz="2000" dirty="0" smtClean="0">
+                <a:solidFill>
+                  <a:prstClr val="black">
+                    <a:lumMod val="75000"/>
+                    <a:lumOff val="25000"/>
+                  </a:prstClr>
+                </a:solidFill>
+              </a:rPr>
+              <a:t>: 20</a:t>
+            </a:r>
+            <a:endParaRPr lang="fr-FR" sz="2000" dirty="0">
+              <a:solidFill>
+                <a:prstClr val="black">
+                  <a:lumMod val="75000"/>
+                  <a:lumOff val="25000"/>
+                </a:prstClr>
+              </a:solidFill>
+            </a:endParaRPr>
+          </a:p>
+          <a:p>
+            <a:pPr>
+              <a:spcAft>
+                <a:spcPts val="2000"/>
+              </a:spcAft>
+            </a:pPr>
+            <a:r>
+              <a:rPr lang="fr-FR" sz="2000" dirty="0">
+                <a:solidFill>
+                  <a:prstClr val="black">
+                    <a:lumMod val="75000"/>
+                    <a:lumOff val="25000"/>
+                  </a:prstClr>
+                </a:solidFill>
+              </a:rPr>
+              <a:t>Alexandre Pares </a:t>
+            </a:r>
+            <a:r>
+              <a:rPr lang="fr-FR" sz="2000" dirty="0" smtClean="0">
+                <a:solidFill>
+                  <a:prstClr val="black">
+                    <a:lumMod val="75000"/>
+                    <a:lumOff val="25000"/>
+                  </a:prstClr>
+                </a:solidFill>
+              </a:rPr>
+              <a:t>: 20</a:t>
+            </a:r>
+            <a:endParaRPr lang="fr-FR" sz="2000" dirty="0">
+              <a:solidFill>
+                <a:prstClr val="black">
+                  <a:lumMod val="75000"/>
+                  <a:lumOff val="25000"/>
+                </a:prstClr>
               </a:solidFill>
             </a:endParaRPr>
           </a:p>
@@ -3468,25 +3612,20 @@
     </p:spTree>
     <p:extLst>
       <p:ext uri="{BB962C8B-B14F-4D97-AF65-F5344CB8AC3E}">
-        <p14:creationId xmlns:p14="http://schemas.microsoft.com/office/powerpoint/2010/main" val="1328676004"/>
+        <p14:creationId xmlns:p14="http://schemas.microsoft.com/office/powerpoint/2010/main" val="1662325667"/>
       </p:ext>
     </p:extLst>
   </p:cSld>
   <p:clrMapOvr>
     <a:masterClrMapping/>
   </p:clrMapOvr>
-  <mc:AlternateContent xmlns:mc="http://schemas.openxmlformats.org/markup-compatibility/2006">
-    <mc:Choice xmlns:p14="http://schemas.microsoft.com/office/powerpoint/2010/main" Requires="p14">
-      <p:transition spd="med" p14:dur="700">
-        <p:fade/>
-      </p:transition>
-    </mc:Choice>
-    <mc:Fallback>
-      <p:transition spd="med">
-        <p:fade/>
-      </p:transition>
-    </mc:Fallback>
-  </mc:AlternateContent>
+  <p:timing>
+    <p:tnLst>
+      <p:par>
+        <p:cTn id="1" dur="indefinite" restart="never" nodeType="tmRoot"/>
+      </p:par>
+    </p:tnLst>
+  </p:timing>
 </p:sld>
 </file>
 
@@ -3587,6 +3726,13 @@
   <p:clrMapOvr>
     <a:masterClrMapping/>
   </p:clrMapOvr>
+  <p:timing>
+    <p:tnLst>
+      <p:par>
+        <p:cTn id="1" dur="indefinite" restart="never" nodeType="tmRoot"/>
+      </p:par>
+    </p:tnLst>
+  </p:timing>
 </p:sld>
 </file>
 

--- a/presentation/Slot Machine.pptx
+++ b/presentation/Slot Machine.pptx
@@ -5,17 +5,18 @@
     <p:sldMasterId id="2147483660" r:id="rId1"/>
   </p:sldMasterIdLst>
   <p:notesMasterIdLst>
-    <p:notesMasterId r:id="rId7"/>
+    <p:notesMasterId r:id="rId8"/>
   </p:notesMasterIdLst>
   <p:handoutMasterIdLst>
-    <p:handoutMasterId r:id="rId8"/>
+    <p:handoutMasterId r:id="rId9"/>
   </p:handoutMasterIdLst>
   <p:sldIdLst>
     <p:sldId id="256" r:id="rId2"/>
     <p:sldId id="273" r:id="rId3"/>
-    <p:sldId id="257" r:id="rId4"/>
-    <p:sldId id="274" r:id="rId5"/>
-    <p:sldId id="263" r:id="rId6"/>
+    <p:sldId id="276" r:id="rId4"/>
+    <p:sldId id="257" r:id="rId5"/>
+    <p:sldId id="274" r:id="rId6"/>
+    <p:sldId id="263" r:id="rId7"/>
   </p:sldIdLst>
   <p:sldSz cx="12192000" cy="6858000"/>
   <p:notesSz cx="6858000" cy="9144000"/>
@@ -836,7 +837,7 @@
             <a:pPr rtl="0"/>
             <a:fld id="{DF61EA0F-A667-4B49-8422-0062BC55E249}" type="slidenum">
               <a:rPr lang="en-US" smtClean="0"/>
-              <a:t>5</a:t>
+              <a:t>6</a:t>
             </a:fld>
             <a:endParaRPr lang="en-US"/>
           </a:p>
@@ -2854,12 +2855,6 @@
               </a:rPr>
               <a:t>projet-javascript.ga</a:t>
             </a:r>
-            <a:endParaRPr lang="fr-FR" sz="2400" dirty="0">
-              <a:solidFill>
-                <a:schemeClr val="bg1"/>
-              </a:solidFill>
-              <a:latin typeface="+mj-lt"/>
-            </a:endParaRPr>
           </a:p>
         </p:txBody>
       </p:sp>
@@ -2970,14 +2965,6 @@
               </a:rPr>
               <a:t>sur Ordinateur</a:t>
             </a:r>
-            <a:endParaRPr lang="fr-FR" sz="2000" dirty="0">
-              <a:solidFill>
-                <a:prstClr val="black">
-                  <a:lumMod val="75000"/>
-                  <a:lumOff val="25000"/>
-                </a:prstClr>
-              </a:solidFill>
-            </a:endParaRPr>
           </a:p>
         </p:txBody>
       </p:sp>
@@ -3064,11 +3051,111 @@
                   </a:prstClr>
                 </a:solidFill>
               </a:rPr>
-              <a:t>Sur Téléphone</a:t>
-            </a:r>
-          </a:p>
-        </p:txBody>
-      </p:sp>
+              <a:t>Sur </a:t>
+            </a:r>
+            <a:r>
+              <a:rPr lang="fr-FR" sz="2000" dirty="0" smtClean="0">
+                <a:solidFill>
+                  <a:prstClr val="black">
+                    <a:lumMod val="75000"/>
+                    <a:lumOff val="25000"/>
+                  </a:prstClr>
+                </a:solidFill>
+              </a:rPr>
+              <a:t>Téléphone </a:t>
+            </a:r>
+            <a:r>
+              <a:rPr lang="fr-FR" sz="1400" dirty="0" smtClean="0">
+                <a:solidFill>
+                  <a:prstClr val="black">
+                    <a:lumMod val="75000"/>
+                    <a:lumOff val="25000"/>
+                  </a:prstClr>
+                </a:solidFill>
+              </a:rPr>
+              <a:t>(ici </a:t>
+            </a:r>
+            <a:r>
+              <a:rPr lang="fr-FR" sz="1400" dirty="0" err="1" smtClean="0">
+                <a:solidFill>
+                  <a:prstClr val="black">
+                    <a:lumMod val="75000"/>
+                    <a:lumOff val="25000"/>
+                  </a:prstClr>
+                </a:solidFill>
+              </a:rPr>
+              <a:t>iphone</a:t>
+            </a:r>
+            <a:r>
+              <a:rPr lang="fr-FR" sz="1400" dirty="0" smtClean="0">
+                <a:solidFill>
+                  <a:prstClr val="black">
+                    <a:lumMod val="75000"/>
+                    <a:lumOff val="25000"/>
+                  </a:prstClr>
+                </a:solidFill>
+              </a:rPr>
+              <a:t> 5)</a:t>
+            </a:r>
+            <a:endParaRPr lang="fr-FR" sz="1400" dirty="0">
+              <a:solidFill>
+                <a:prstClr val="black">
+                  <a:lumMod val="75000"/>
+                  <a:lumOff val="25000"/>
+                </a:prstClr>
+              </a:solidFill>
+            </a:endParaRPr>
+          </a:p>
+        </p:txBody>
+      </p:sp>
+      <p:pic>
+        <p:nvPicPr>
+          <p:cNvPr id="4" name="Image 3"/>
+          <p:cNvPicPr>
+            <a:picLocks noChangeAspect="1"/>
+          </p:cNvPicPr>
+          <p:nvPr/>
+        </p:nvPicPr>
+        <p:blipFill>
+          <a:blip r:embed="rId2"/>
+          <a:stretch>
+            <a:fillRect/>
+          </a:stretch>
+        </p:blipFill>
+        <p:spPr>
+          <a:xfrm>
+            <a:off x="699553" y="2103120"/>
+            <a:ext cx="5063078" cy="2510443"/>
+          </a:xfrm>
+          <a:prstGeom prst="rect">
+            <a:avLst/>
+          </a:prstGeom>
+        </p:spPr>
+      </p:pic>
+      <p:pic>
+        <p:nvPicPr>
+          <p:cNvPr id="5" name="Image 4"/>
+          <p:cNvPicPr>
+            <a:picLocks noChangeAspect="1"/>
+          </p:cNvPicPr>
+          <p:nvPr/>
+        </p:nvPicPr>
+        <p:blipFill>
+          <a:blip r:embed="rId3"/>
+          <a:stretch>
+            <a:fillRect/>
+          </a:stretch>
+        </p:blipFill>
+        <p:spPr>
+          <a:xfrm>
+            <a:off x="7897353" y="2103120"/>
+            <a:ext cx="2227285" cy="3923607"/>
+          </a:xfrm>
+          <a:prstGeom prst="rect">
+            <a:avLst/>
+          </a:prstGeom>
+        </p:spPr>
+      </p:pic>
     </p:spTree>
     <p:extLst>
       <p:ext uri="{BB962C8B-B14F-4D97-AF65-F5344CB8AC3E}">
@@ -3108,6 +3195,309 @@
       </p:grpSpPr>
       <p:sp>
         <p:nvSpPr>
+          <p:cNvPr id="2" name="Espace réservé du texte 1"/>
+          <p:cNvSpPr>
+            <a:spLocks noGrp="1"/>
+          </p:cNvSpPr>
+          <p:nvPr>
+            <p:ph type="body" idx="1"/>
+          </p:nvPr>
+        </p:nvSpPr>
+        <p:spPr/>
+        <p:txBody>
+          <a:bodyPr>
+            <a:noAutofit/>
+          </a:bodyPr>
+          <a:lstStyle/>
+          <a:p>
+            <a:r>
+              <a:rPr lang="fr-FR" dirty="0" smtClean="0"/>
+              <a:t>WIN / LOSE</a:t>
+            </a:r>
+            <a:endParaRPr lang="fr-FR" dirty="0"/>
+          </a:p>
+        </p:txBody>
+      </p:sp>
+      <p:sp>
+        <p:nvSpPr>
+          <p:cNvPr id="3" name="Espace réservé du contenu 2"/>
+          <p:cNvSpPr>
+            <a:spLocks noGrp="1"/>
+          </p:cNvSpPr>
+          <p:nvPr>
+            <p:ph sz="half" idx="2"/>
+          </p:nvPr>
+        </p:nvSpPr>
+        <p:spPr>
+          <a:xfrm>
+            <a:off x="699553" y="1547390"/>
+            <a:ext cx="4413626" cy="555731"/>
+          </a:xfrm>
+        </p:spPr>
+        <p:txBody>
+          <a:bodyPr>
+            <a:normAutofit/>
+          </a:bodyPr>
+          <a:lstStyle/>
+          <a:p>
+            <a:pPr>
+              <a:spcAft>
+                <a:spcPts val="2000"/>
+              </a:spcAft>
+            </a:pPr>
+            <a:r>
+              <a:rPr lang="fr-FR" sz="2000" dirty="0" smtClean="0">
+                <a:solidFill>
+                  <a:prstClr val="black">
+                    <a:lumMod val="75000"/>
+                    <a:lumOff val="25000"/>
+                  </a:prstClr>
+                </a:solidFill>
+              </a:rPr>
+              <a:t>VICTOIRE</a:t>
+            </a:r>
+            <a:endParaRPr lang="fr-FR" sz="2000" dirty="0">
+              <a:solidFill>
+                <a:prstClr val="black">
+                  <a:lumMod val="75000"/>
+                  <a:lumOff val="25000"/>
+                </a:prstClr>
+              </a:solidFill>
+            </a:endParaRPr>
+          </a:p>
+        </p:txBody>
+      </p:sp>
+      <p:cxnSp>
+        <p:nvCxnSpPr>
+          <p:cNvPr id="7" name="Connecteur droit 6"/>
+          <p:cNvCxnSpPr/>
+          <p:nvPr/>
+        </p:nvCxnSpPr>
+        <p:spPr>
+          <a:xfrm>
+            <a:off x="6096000" y="1898775"/>
+            <a:ext cx="0" cy="4520901"/>
+          </a:xfrm>
+          <a:prstGeom prst="line">
+            <a:avLst/>
+          </a:prstGeom>
+          <a:ln>
+            <a:solidFill>
+              <a:srgbClr val="D24726"/>
+            </a:solidFill>
+          </a:ln>
+        </p:spPr>
+        <p:style>
+          <a:lnRef idx="3">
+            <a:schemeClr val="accent2"/>
+          </a:lnRef>
+          <a:fillRef idx="0">
+            <a:schemeClr val="accent2"/>
+          </a:fillRef>
+          <a:effectRef idx="2">
+            <a:schemeClr val="accent2"/>
+          </a:effectRef>
+          <a:fontRef idx="minor">
+            <a:schemeClr val="tx1"/>
+          </a:fontRef>
+        </p:style>
+      </p:cxnSp>
+      <p:sp>
+        <p:nvSpPr>
+          <p:cNvPr id="9" name="ZoneTexte 8"/>
+          <p:cNvSpPr txBox="1"/>
+          <p:nvPr/>
+        </p:nvSpPr>
+        <p:spPr>
+          <a:xfrm>
+            <a:off x="6774873" y="1547390"/>
+            <a:ext cx="4472247" cy="323165"/>
+          </a:xfrm>
+          <a:prstGeom prst="rect">
+            <a:avLst/>
+          </a:prstGeom>
+          <a:noFill/>
+        </p:spPr>
+        <p:txBody>
+          <a:bodyPr wrap="square" rtlCol="0">
+            <a:spAutoFit/>
+          </a:bodyPr>
+          <a:lstStyle>
+            <a:defPPr rtl="0">
+              <a:defRPr lang="fr-FR"/>
+            </a:defPPr>
+          </a:lstStyle>
+          <a:p>
+            <a:pPr marL="228600" indent="-228600">
+              <a:lnSpc>
+                <a:spcPts val="1800"/>
+              </a:lnSpc>
+              <a:spcBef>
+                <a:spcPts val="1000"/>
+              </a:spcBef>
+              <a:spcAft>
+                <a:spcPts val="2000"/>
+              </a:spcAft>
+              <a:buFont typeface="Arial" panose="020B0604020202020204" pitchFamily="34" charset="0"/>
+              <a:buChar char="•"/>
+            </a:pPr>
+            <a:r>
+              <a:rPr lang="fr-FR" sz="2000" dirty="0" smtClean="0">
+                <a:solidFill>
+                  <a:prstClr val="black">
+                    <a:lumMod val="75000"/>
+                    <a:lumOff val="25000"/>
+                  </a:prstClr>
+                </a:solidFill>
+              </a:rPr>
+              <a:t>DEFAITE</a:t>
+            </a:r>
+            <a:endParaRPr lang="fr-FR" sz="1400" dirty="0">
+              <a:solidFill>
+                <a:prstClr val="black">
+                  <a:lumMod val="75000"/>
+                  <a:lumOff val="25000"/>
+                </a:prstClr>
+              </a:solidFill>
+            </a:endParaRPr>
+          </a:p>
+        </p:txBody>
+      </p:sp>
+      <p:pic>
+        <p:nvPicPr>
+          <p:cNvPr id="6" name="Image 5"/>
+          <p:cNvPicPr>
+            <a:picLocks noChangeAspect="1"/>
+          </p:cNvPicPr>
+          <p:nvPr/>
+        </p:nvPicPr>
+        <p:blipFill>
+          <a:blip r:embed="rId2"/>
+          <a:stretch>
+            <a:fillRect/>
+          </a:stretch>
+        </p:blipFill>
+        <p:spPr>
+          <a:xfrm>
+            <a:off x="634971" y="2103121"/>
+            <a:ext cx="3260331" cy="2762163"/>
+          </a:xfrm>
+          <a:prstGeom prst="rect">
+            <a:avLst/>
+          </a:prstGeom>
+        </p:spPr>
+      </p:pic>
+      <p:pic>
+        <p:nvPicPr>
+          <p:cNvPr id="8" name="Image 7"/>
+          <p:cNvPicPr>
+            <a:picLocks noChangeAspect="1"/>
+          </p:cNvPicPr>
+          <p:nvPr/>
+        </p:nvPicPr>
+        <p:blipFill>
+          <a:blip r:embed="rId3"/>
+          <a:stretch>
+            <a:fillRect/>
+          </a:stretch>
+        </p:blipFill>
+        <p:spPr>
+          <a:xfrm>
+            <a:off x="2735974" y="5214072"/>
+            <a:ext cx="2943225" cy="752475"/>
+          </a:xfrm>
+          <a:prstGeom prst="rect">
+            <a:avLst/>
+          </a:prstGeom>
+        </p:spPr>
+      </p:pic>
+      <p:pic>
+        <p:nvPicPr>
+          <p:cNvPr id="10" name="Image 9"/>
+          <p:cNvPicPr>
+            <a:picLocks noChangeAspect="1"/>
+          </p:cNvPicPr>
+          <p:nvPr/>
+        </p:nvPicPr>
+        <p:blipFill>
+          <a:blip r:embed="rId4"/>
+          <a:stretch>
+            <a:fillRect/>
+          </a:stretch>
+        </p:blipFill>
+        <p:spPr>
+          <a:xfrm>
+            <a:off x="6774873" y="2103121"/>
+            <a:ext cx="3271623" cy="1896657"/>
+          </a:xfrm>
+          <a:prstGeom prst="rect">
+            <a:avLst/>
+          </a:prstGeom>
+        </p:spPr>
+      </p:pic>
+      <p:pic>
+        <p:nvPicPr>
+          <p:cNvPr id="11" name="Image 10"/>
+          <p:cNvPicPr>
+            <a:picLocks noChangeAspect="1"/>
+          </p:cNvPicPr>
+          <p:nvPr/>
+        </p:nvPicPr>
+        <p:blipFill>
+          <a:blip r:embed="rId5"/>
+          <a:stretch>
+            <a:fillRect/>
+          </a:stretch>
+        </p:blipFill>
+        <p:spPr>
+          <a:xfrm>
+            <a:off x="8589171" y="5223597"/>
+            <a:ext cx="2914650" cy="742950"/>
+          </a:xfrm>
+          <a:prstGeom prst="rect">
+            <a:avLst/>
+          </a:prstGeom>
+        </p:spPr>
+      </p:pic>
+    </p:spTree>
+    <p:extLst>
+      <p:ext uri="{BB962C8B-B14F-4D97-AF65-F5344CB8AC3E}">
+        <p14:creationId xmlns:p14="http://schemas.microsoft.com/office/powerpoint/2010/main" val="1808463397"/>
+      </p:ext>
+    </p:extLst>
+  </p:cSld>
+  <p:clrMapOvr>
+    <a:masterClrMapping/>
+  </p:clrMapOvr>
+  <p:timing>
+    <p:tnLst>
+      <p:par>
+        <p:cTn id="1" dur="indefinite" restart="never" nodeType="tmRoot"/>
+      </p:par>
+    </p:tnLst>
+  </p:timing>
+</p:sld>
+</file>
+
+<file path=ppt/slides/slide4.xml><?xml version="1.0" encoding="utf-8"?>
+<p:sld xmlns:a="http://schemas.openxmlformats.org/drawingml/2006/main" xmlns:r="http://schemas.openxmlformats.org/officeDocument/2006/relationships" xmlns:p="http://schemas.openxmlformats.org/presentationml/2006/main">
+  <p:cSld>
+    <p:spTree>
+      <p:nvGrpSpPr>
+        <p:cNvPr id="1" name=""/>
+        <p:cNvGrpSpPr/>
+        <p:nvPr/>
+      </p:nvGrpSpPr>
+      <p:grpSpPr>
+        <a:xfrm>
+          <a:off x="0" y="0"/>
+          <a:ext cx="0" cy="0"/>
+          <a:chOff x="0" y="0"/>
+          <a:chExt cx="0" cy="0"/>
+        </a:xfrm>
+      </p:grpSpPr>
+      <p:sp>
+        <p:nvSpPr>
           <p:cNvPr id="4" name="Espace réservé du texte 3"/>
           <p:cNvSpPr>
             <a:spLocks noGrp="1"/>
@@ -3374,7 +3764,7 @@
                 </a:solidFill>
               </a:rPr>
               <a:pPr algn="r"/>
-              <a:t>3</a:t>
+              <a:t>4</a:t>
             </a:fld>
             <a:endParaRPr lang="fr-FR" dirty="0">
               <a:solidFill>
@@ -3418,7 +3808,7 @@
 </p:sld>
 </file>
 
-<file path=ppt/slides/slide4.xml><?xml version="1.0" encoding="utf-8"?>
+<file path=ppt/slides/slide5.xml><?xml version="1.0" encoding="utf-8"?>
 <p:sld xmlns:a="http://schemas.openxmlformats.org/drawingml/2006/main" xmlns:r="http://schemas.openxmlformats.org/officeDocument/2006/relationships" xmlns:p="http://schemas.openxmlformats.org/presentationml/2006/main">
   <p:cSld>
     <p:spTree>
@@ -3629,7 +4019,7 @@
 </p:sld>
 </file>
 
-<file path=ppt/slides/slide5.xml><?xml version="1.0" encoding="utf-8"?>
+<file path=ppt/slides/slide6.xml><?xml version="1.0" encoding="utf-8"?>
 <p:sld xmlns:a="http://schemas.openxmlformats.org/drawingml/2006/main" xmlns:r="http://schemas.openxmlformats.org/officeDocument/2006/relationships" xmlns:p="http://schemas.openxmlformats.org/presentationml/2006/main">
   <p:cSld>
     <p:spTree>
@@ -3704,7 +4094,7 @@
                 </a:solidFill>
               </a:rPr>
               <a:pPr algn="r" rtl="0"/>
-              <a:t>5</a:t>
+              <a:t>6</a:t>
             </a:fld>
             <a:endParaRPr lang="fr-FR" sz="1800" dirty="0">
               <a:solidFill>

--- a/presentation/Slot Machine.pptx
+++ b/presentation/Slot Machine.pptx
@@ -2853,7 +2853,7 @@
                 </a:solidFill>
                 <a:latin typeface="+mj-lt"/>
               </a:rPr>
-              <a:t>projet-javascript.ga</a:t>
+              <a:t>https://projet-javascript.ga</a:t>
             </a:r>
           </a:p>
         </p:txBody>
@@ -2876,13 +2876,6 @@
       <p:transition/>
     </mc:Fallback>
   </mc:AlternateContent>
-  <p:timing>
-    <p:tnLst>
-      <p:par>
-        <p:cTn id="1" dur="indefinite" restart="never" nodeType="tmRoot"/>
-      </p:par>
-    </p:tnLst>
-  </p:timing>
 </p:sld>
 </file>
 
@@ -3051,10 +3044,10 @@
                   </a:prstClr>
                 </a:solidFill>
               </a:rPr>
-              <a:t>Sur </a:t>
-            </a:r>
-            <a:r>
-              <a:rPr lang="fr-FR" sz="2000" dirty="0" smtClean="0">
+              <a:t>Sur Téléphone </a:t>
+            </a:r>
+            <a:r>
+              <a:rPr lang="fr-FR" sz="1400" dirty="0">
                 <a:solidFill>
                   <a:prstClr val="black">
                     <a:lumMod val="75000"/>
@@ -3062,10 +3055,10 @@
                   </a:prstClr>
                 </a:solidFill>
               </a:rPr>
-              <a:t>Téléphone </a:t>
-            </a:r>
-            <a:r>
-              <a:rPr lang="fr-FR" sz="1400" dirty="0" smtClean="0">
+              <a:t>(ici </a:t>
+            </a:r>
+            <a:r>
+              <a:rPr lang="fr-FR" sz="1400" dirty="0" err="1">
                 <a:solidFill>
                   <a:prstClr val="black">
                     <a:lumMod val="75000"/>
@@ -3073,10 +3066,10 @@
                   </a:prstClr>
                 </a:solidFill>
               </a:rPr>
-              <a:t>(ici </a:t>
-            </a:r>
-            <a:r>
-              <a:rPr lang="fr-FR" sz="1400" dirty="0" err="1" smtClean="0">
+              <a:t>iphone</a:t>
+            </a:r>
+            <a:r>
+              <a:rPr lang="fr-FR" sz="1400" dirty="0">
                 <a:solidFill>
                   <a:prstClr val="black">
                     <a:lumMod val="75000"/>
@@ -3084,27 +3077,8 @@
                   </a:prstClr>
                 </a:solidFill>
               </a:rPr>
-              <a:t>iphone</a:t>
-            </a:r>
-            <a:r>
-              <a:rPr lang="fr-FR" sz="1400" dirty="0" smtClean="0">
-                <a:solidFill>
-                  <a:prstClr val="black">
-                    <a:lumMod val="75000"/>
-                    <a:lumOff val="25000"/>
-                  </a:prstClr>
-                </a:solidFill>
-              </a:rPr>
               <a:t> 5)</a:t>
             </a:r>
-            <a:endParaRPr lang="fr-FR" sz="1400" dirty="0">
-              <a:solidFill>
-                <a:prstClr val="black">
-                  <a:lumMod val="75000"/>
-                  <a:lumOff val="25000"/>
-                </a:prstClr>
-              </a:solidFill>
-            </a:endParaRPr>
           </a:p>
         </p:txBody>
       </p:sp>
@@ -3156,6 +3130,143 @@
           </a:prstGeom>
         </p:spPr>
       </p:pic>
+      <p:sp>
+        <p:nvSpPr>
+          <p:cNvPr id="8" name="Espace réservé du numéro de diapositive 8"/>
+          <p:cNvSpPr txBox="1">
+            <a:spLocks/>
+          </p:cNvSpPr>
+          <p:nvPr/>
+        </p:nvSpPr>
+        <p:spPr>
+          <a:xfrm>
+            <a:off x="8647651" y="6205350"/>
+            <a:ext cx="3276600" cy="365125"/>
+          </a:xfrm>
+          <a:prstGeom prst="rect">
+            <a:avLst/>
+          </a:prstGeom>
+        </p:spPr>
+        <p:txBody>
+          <a:bodyPr/>
+          <a:lstStyle>
+            <a:defPPr rtl="0">
+              <a:defRPr lang="fr-FR"/>
+            </a:defPPr>
+            <a:lvl1pPr marL="0" algn="l" defTabSz="914400" rtl="0" eaLnBrk="1" latinLnBrk="0" hangingPunct="1">
+              <a:defRPr sz="1800" kern="1200">
+                <a:solidFill>
+                  <a:schemeClr val="tx1"/>
+                </a:solidFill>
+                <a:latin typeface="+mn-lt"/>
+                <a:ea typeface="+mn-ea"/>
+                <a:cs typeface="+mn-cs"/>
+              </a:defRPr>
+            </a:lvl1pPr>
+            <a:lvl2pPr marL="457200" algn="l" defTabSz="914400" rtl="0" eaLnBrk="1" latinLnBrk="0" hangingPunct="1">
+              <a:defRPr sz="1800" kern="1200">
+                <a:solidFill>
+                  <a:schemeClr val="tx1"/>
+                </a:solidFill>
+                <a:latin typeface="+mn-lt"/>
+                <a:ea typeface="+mn-ea"/>
+                <a:cs typeface="+mn-cs"/>
+              </a:defRPr>
+            </a:lvl2pPr>
+            <a:lvl3pPr marL="914400" algn="l" defTabSz="914400" rtl="0" eaLnBrk="1" latinLnBrk="0" hangingPunct="1">
+              <a:defRPr sz="1800" kern="1200">
+                <a:solidFill>
+                  <a:schemeClr val="tx1"/>
+                </a:solidFill>
+                <a:latin typeface="+mn-lt"/>
+                <a:ea typeface="+mn-ea"/>
+                <a:cs typeface="+mn-cs"/>
+              </a:defRPr>
+            </a:lvl3pPr>
+            <a:lvl4pPr marL="1371600" algn="l" defTabSz="914400" rtl="0" eaLnBrk="1" latinLnBrk="0" hangingPunct="1">
+              <a:defRPr sz="1800" kern="1200">
+                <a:solidFill>
+                  <a:schemeClr val="tx1"/>
+                </a:solidFill>
+                <a:latin typeface="+mn-lt"/>
+                <a:ea typeface="+mn-ea"/>
+                <a:cs typeface="+mn-cs"/>
+              </a:defRPr>
+            </a:lvl4pPr>
+            <a:lvl5pPr marL="1828800" algn="l" defTabSz="914400" rtl="0" eaLnBrk="1" latinLnBrk="0" hangingPunct="1">
+              <a:defRPr sz="1800" kern="1200">
+                <a:solidFill>
+                  <a:schemeClr val="tx1"/>
+                </a:solidFill>
+                <a:latin typeface="+mn-lt"/>
+                <a:ea typeface="+mn-ea"/>
+                <a:cs typeface="+mn-cs"/>
+              </a:defRPr>
+            </a:lvl5pPr>
+            <a:lvl6pPr marL="2286000" algn="l" defTabSz="914400" rtl="0" eaLnBrk="1" latinLnBrk="0" hangingPunct="1">
+              <a:defRPr sz="1800" kern="1200">
+                <a:solidFill>
+                  <a:schemeClr val="tx1"/>
+                </a:solidFill>
+                <a:latin typeface="+mn-lt"/>
+                <a:ea typeface="+mn-ea"/>
+                <a:cs typeface="+mn-cs"/>
+              </a:defRPr>
+            </a:lvl6pPr>
+            <a:lvl7pPr marL="2743200" algn="l" defTabSz="914400" rtl="0" eaLnBrk="1" latinLnBrk="0" hangingPunct="1">
+              <a:defRPr sz="1800" kern="1200">
+                <a:solidFill>
+                  <a:schemeClr val="tx1"/>
+                </a:solidFill>
+                <a:latin typeface="+mn-lt"/>
+                <a:ea typeface="+mn-ea"/>
+                <a:cs typeface="+mn-cs"/>
+              </a:defRPr>
+            </a:lvl7pPr>
+            <a:lvl8pPr marL="3200400" algn="l" defTabSz="914400" rtl="0" eaLnBrk="1" latinLnBrk="0" hangingPunct="1">
+              <a:defRPr sz="1800" kern="1200">
+                <a:solidFill>
+                  <a:schemeClr val="tx1"/>
+                </a:solidFill>
+                <a:latin typeface="+mn-lt"/>
+                <a:ea typeface="+mn-ea"/>
+                <a:cs typeface="+mn-cs"/>
+              </a:defRPr>
+            </a:lvl8pPr>
+            <a:lvl9pPr marL="3657600" algn="l" defTabSz="914400" rtl="0" eaLnBrk="1" latinLnBrk="0" hangingPunct="1">
+              <a:defRPr sz="1800" kern="1200">
+                <a:solidFill>
+                  <a:schemeClr val="tx1"/>
+                </a:solidFill>
+                <a:latin typeface="+mn-lt"/>
+                <a:ea typeface="+mn-ea"/>
+                <a:cs typeface="+mn-cs"/>
+              </a:defRPr>
+            </a:lvl9pPr>
+          </a:lstStyle>
+          <a:p>
+            <a:pPr algn="r"/>
+            <a:fld id="{9860EDB8-5305-433F-BE41-D7A86D811DB3}" type="slidenum">
+              <a:rPr lang="fr-FR" smtClean="0">
+                <a:solidFill>
+                  <a:schemeClr val="bg1">
+                    <a:lumMod val="50000"/>
+                  </a:schemeClr>
+                </a:solidFill>
+              </a:rPr>
+              <a:pPr algn="r"/>
+              <a:t>2</a:t>
+            </a:fld>
+            <a:endParaRPr lang="fr-FR" dirty="0">
+              <a:solidFill>
+                <a:schemeClr val="bg1">
+                  <a:lumMod val="50000"/>
+                </a:schemeClr>
+              </a:solidFill>
+            </a:endParaRPr>
+          </a:p>
+        </p:txBody>
+      </p:sp>
     </p:spTree>
     <p:extLst>
       <p:ext uri="{BB962C8B-B14F-4D97-AF65-F5344CB8AC3E}">
@@ -3166,13 +3277,6 @@
   <p:clrMapOvr>
     <a:masterClrMapping/>
   </p:clrMapOvr>
-  <p:timing>
-    <p:tnLst>
-      <p:par>
-        <p:cTn id="1" dur="indefinite" restart="never" nodeType="tmRoot"/>
-      </p:par>
-    </p:tnLst>
-  </p:timing>
 </p:sld>
 </file>
 
@@ -3211,10 +3315,9 @@
           <a:lstStyle/>
           <a:p>
             <a:r>
-              <a:rPr lang="fr-FR" dirty="0" smtClean="0"/>
+              <a:rPr lang="fr-FR" dirty="0"/>
               <a:t>WIN / LOSE</a:t>
             </a:r>
-            <a:endParaRPr lang="fr-FR" dirty="0"/>
           </a:p>
         </p:txBody>
       </p:sp>
@@ -3246,7 +3349,7 @@
               </a:spcAft>
             </a:pPr>
             <a:r>
-              <a:rPr lang="fr-FR" sz="2000" dirty="0" smtClean="0">
+              <a:rPr lang="fr-FR" sz="2000" dirty="0">
                 <a:solidFill>
                   <a:prstClr val="black">
                     <a:lumMod val="75000"/>
@@ -3256,14 +3359,6 @@
               </a:rPr>
               <a:t>VICTOIRE</a:t>
             </a:r>
-            <a:endParaRPr lang="fr-FR" sz="2000" dirty="0">
-              <a:solidFill>
-                <a:prstClr val="black">
-                  <a:lumMod val="75000"/>
-                  <a:lumOff val="25000"/>
-                </a:prstClr>
-              </a:solidFill>
-            </a:endParaRPr>
           </a:p>
         </p:txBody>
       </p:sp>
@@ -3342,7 +3437,7 @@
               <a:buChar char="•"/>
             </a:pPr>
             <a:r>
-              <a:rPr lang="fr-FR" sz="2000" dirty="0" smtClean="0">
+              <a:rPr lang="fr-FR" sz="2000" dirty="0">
                 <a:solidFill>
                   <a:prstClr val="black">
                     <a:lumMod val="75000"/>
@@ -3459,6 +3554,143 @@
           </a:prstGeom>
         </p:spPr>
       </p:pic>
+      <p:sp>
+        <p:nvSpPr>
+          <p:cNvPr id="12" name="Espace réservé du numéro de diapositive 8"/>
+          <p:cNvSpPr txBox="1">
+            <a:spLocks/>
+          </p:cNvSpPr>
+          <p:nvPr/>
+        </p:nvSpPr>
+        <p:spPr>
+          <a:xfrm>
+            <a:off x="8647651" y="6205350"/>
+            <a:ext cx="3276600" cy="365125"/>
+          </a:xfrm>
+          <a:prstGeom prst="rect">
+            <a:avLst/>
+          </a:prstGeom>
+        </p:spPr>
+        <p:txBody>
+          <a:bodyPr/>
+          <a:lstStyle>
+            <a:defPPr rtl="0">
+              <a:defRPr lang="fr-FR"/>
+            </a:defPPr>
+            <a:lvl1pPr marL="0" algn="l" defTabSz="914400" rtl="0" eaLnBrk="1" latinLnBrk="0" hangingPunct="1">
+              <a:defRPr sz="1800" kern="1200">
+                <a:solidFill>
+                  <a:schemeClr val="tx1"/>
+                </a:solidFill>
+                <a:latin typeface="+mn-lt"/>
+                <a:ea typeface="+mn-ea"/>
+                <a:cs typeface="+mn-cs"/>
+              </a:defRPr>
+            </a:lvl1pPr>
+            <a:lvl2pPr marL="457200" algn="l" defTabSz="914400" rtl="0" eaLnBrk="1" latinLnBrk="0" hangingPunct="1">
+              <a:defRPr sz="1800" kern="1200">
+                <a:solidFill>
+                  <a:schemeClr val="tx1"/>
+                </a:solidFill>
+                <a:latin typeface="+mn-lt"/>
+                <a:ea typeface="+mn-ea"/>
+                <a:cs typeface="+mn-cs"/>
+              </a:defRPr>
+            </a:lvl2pPr>
+            <a:lvl3pPr marL="914400" algn="l" defTabSz="914400" rtl="0" eaLnBrk="1" latinLnBrk="0" hangingPunct="1">
+              <a:defRPr sz="1800" kern="1200">
+                <a:solidFill>
+                  <a:schemeClr val="tx1"/>
+                </a:solidFill>
+                <a:latin typeface="+mn-lt"/>
+                <a:ea typeface="+mn-ea"/>
+                <a:cs typeface="+mn-cs"/>
+              </a:defRPr>
+            </a:lvl3pPr>
+            <a:lvl4pPr marL="1371600" algn="l" defTabSz="914400" rtl="0" eaLnBrk="1" latinLnBrk="0" hangingPunct="1">
+              <a:defRPr sz="1800" kern="1200">
+                <a:solidFill>
+                  <a:schemeClr val="tx1"/>
+                </a:solidFill>
+                <a:latin typeface="+mn-lt"/>
+                <a:ea typeface="+mn-ea"/>
+                <a:cs typeface="+mn-cs"/>
+              </a:defRPr>
+            </a:lvl4pPr>
+            <a:lvl5pPr marL="1828800" algn="l" defTabSz="914400" rtl="0" eaLnBrk="1" latinLnBrk="0" hangingPunct="1">
+              <a:defRPr sz="1800" kern="1200">
+                <a:solidFill>
+                  <a:schemeClr val="tx1"/>
+                </a:solidFill>
+                <a:latin typeface="+mn-lt"/>
+                <a:ea typeface="+mn-ea"/>
+                <a:cs typeface="+mn-cs"/>
+              </a:defRPr>
+            </a:lvl5pPr>
+            <a:lvl6pPr marL="2286000" algn="l" defTabSz="914400" rtl="0" eaLnBrk="1" latinLnBrk="0" hangingPunct="1">
+              <a:defRPr sz="1800" kern="1200">
+                <a:solidFill>
+                  <a:schemeClr val="tx1"/>
+                </a:solidFill>
+                <a:latin typeface="+mn-lt"/>
+                <a:ea typeface="+mn-ea"/>
+                <a:cs typeface="+mn-cs"/>
+              </a:defRPr>
+            </a:lvl6pPr>
+            <a:lvl7pPr marL="2743200" algn="l" defTabSz="914400" rtl="0" eaLnBrk="1" latinLnBrk="0" hangingPunct="1">
+              <a:defRPr sz="1800" kern="1200">
+                <a:solidFill>
+                  <a:schemeClr val="tx1"/>
+                </a:solidFill>
+                <a:latin typeface="+mn-lt"/>
+                <a:ea typeface="+mn-ea"/>
+                <a:cs typeface="+mn-cs"/>
+              </a:defRPr>
+            </a:lvl7pPr>
+            <a:lvl8pPr marL="3200400" algn="l" defTabSz="914400" rtl="0" eaLnBrk="1" latinLnBrk="0" hangingPunct="1">
+              <a:defRPr sz="1800" kern="1200">
+                <a:solidFill>
+                  <a:schemeClr val="tx1"/>
+                </a:solidFill>
+                <a:latin typeface="+mn-lt"/>
+                <a:ea typeface="+mn-ea"/>
+                <a:cs typeface="+mn-cs"/>
+              </a:defRPr>
+            </a:lvl8pPr>
+            <a:lvl9pPr marL="3657600" algn="l" defTabSz="914400" rtl="0" eaLnBrk="1" latinLnBrk="0" hangingPunct="1">
+              <a:defRPr sz="1800" kern="1200">
+                <a:solidFill>
+                  <a:schemeClr val="tx1"/>
+                </a:solidFill>
+                <a:latin typeface="+mn-lt"/>
+                <a:ea typeface="+mn-ea"/>
+                <a:cs typeface="+mn-cs"/>
+              </a:defRPr>
+            </a:lvl9pPr>
+          </a:lstStyle>
+          <a:p>
+            <a:pPr algn="r"/>
+            <a:fld id="{9860EDB8-5305-433F-BE41-D7A86D811DB3}" type="slidenum">
+              <a:rPr lang="fr-FR" smtClean="0">
+                <a:solidFill>
+                  <a:schemeClr val="bg1">
+                    <a:lumMod val="50000"/>
+                  </a:schemeClr>
+                </a:solidFill>
+              </a:rPr>
+              <a:pPr algn="r"/>
+              <a:t>3</a:t>
+            </a:fld>
+            <a:endParaRPr lang="fr-FR" dirty="0">
+              <a:solidFill>
+                <a:schemeClr val="bg1">
+                  <a:lumMod val="50000"/>
+                </a:schemeClr>
+              </a:solidFill>
+            </a:endParaRPr>
+          </a:p>
+        </p:txBody>
+      </p:sp>
     </p:spTree>
     <p:extLst>
       <p:ext uri="{BB962C8B-B14F-4D97-AF65-F5344CB8AC3E}">
@@ -3469,13 +3701,6 @@
   <p:clrMapOvr>
     <a:masterClrMapping/>
   </p:clrMapOvr>
-  <p:timing>
-    <p:tnLst>
-      <p:par>
-        <p:cTn id="1" dur="indefinite" restart="never" nodeType="tmRoot"/>
-      </p:par>
-    </p:tnLst>
-  </p:timing>
 </p:sld>
 </file>
 
@@ -3520,24 +3745,14 @@
           <a:p>
             <a:pPr lvl="0" rtl="0"/>
             <a:r>
-              <a:rPr lang="fr-FR" dirty="0" smtClean="0">
+              <a:rPr lang="fr-FR" dirty="0">
                 <a:solidFill>
                   <a:srgbClr val="E7E6E6">
                     <a:lumMod val="25000"/>
                   </a:srgbClr>
                 </a:solidFill>
               </a:rPr>
-              <a:t>Difficultés</a:t>
-            </a:r>
-            <a:r>
-              <a:rPr lang="fr-FR" dirty="0">
-                <a:solidFill>
-                  <a:srgbClr val="E7E6E6">
-                    <a:lumMod val="25000"/>
-                  </a:srgbClr>
-                </a:solidFill>
-              </a:rPr>
-              <a:t>…</a:t>
+              <a:t>Difficultés…</a:t>
             </a:r>
           </a:p>
         </p:txBody>
@@ -3578,18 +3793,7 @@
                   </a:prstClr>
                 </a:solidFill>
               </a:rPr>
-              <a:t>Remplir le </a:t>
-            </a:r>
-            <a:r>
-              <a:rPr lang="fr-FR" sz="2000" dirty="0" smtClean="0">
-                <a:solidFill>
-                  <a:prstClr val="black">
-                    <a:lumMod val="75000"/>
-                    <a:lumOff val="25000"/>
-                  </a:prstClr>
-                </a:solidFill>
-              </a:rPr>
-              <a:t>PowerPoint</a:t>
+              <a:t>Remplir le PowerPoint</a:t>
             </a:r>
           </a:p>
           <a:p>
@@ -3598,7 +3802,43 @@
                 <a:spcPts val="2000"/>
               </a:spcAft>
             </a:pPr>
-            <a:endParaRPr lang="fr-FR" sz="2000" dirty="0" smtClean="0">
+            <a:r>
+              <a:rPr lang="fr-FR" sz="2000" dirty="0">
+                <a:solidFill>
+                  <a:prstClr val="black">
+                    <a:lumMod val="75000"/>
+                    <a:lumOff val="25000"/>
+                  </a:prstClr>
+                </a:solidFill>
+              </a:rPr>
+              <a:t>Animations</a:t>
+            </a:r>
+          </a:p>
+          <a:p>
+            <a:pPr>
+              <a:spcAft>
+                <a:spcPts val="2000"/>
+              </a:spcAft>
+            </a:pPr>
+            <a:r>
+              <a:rPr lang="fr-FR" sz="2000" dirty="0">
+                <a:solidFill>
+                  <a:prstClr val="black">
+                    <a:lumMod val="75000"/>
+                    <a:lumOff val="25000"/>
+                  </a:prstClr>
+                </a:solidFill>
+              </a:rPr>
+              <a:t>Disponibilité</a:t>
+            </a:r>
+          </a:p>
+          <a:p>
+            <a:pPr>
+              <a:spcAft>
+                <a:spcPts val="2000"/>
+              </a:spcAft>
+            </a:pPr>
+            <a:endParaRPr lang="fr-FR" sz="2000" dirty="0">
               <a:solidFill>
                 <a:prstClr val="black">
                   <a:lumMod val="75000"/>
@@ -3613,7 +3853,7 @@
                 <a:spcPts val="2000"/>
               </a:spcAft>
             </a:pPr>
-            <a:endParaRPr lang="fr-FR" sz="2000" dirty="0" smtClean="0">
+            <a:endParaRPr lang="fr-FR" sz="2000" dirty="0">
               <a:solidFill>
                 <a:prstClr val="black">
                   <a:lumMod val="75000"/>
@@ -3798,13 +4038,6 @@
       </p:transition>
     </mc:Fallback>
   </mc:AlternateContent>
-  <p:timing>
-    <p:tnLst>
-      <p:par>
-        <p:cTn id="1" dur="indefinite" restart="never" nodeType="tmRoot"/>
-      </p:par>
-    </p:tnLst>
-  </p:timing>
 </p:sld>
 </file>
 
@@ -3841,10 +4074,9 @@
           <a:lstStyle/>
           <a:p>
             <a:r>
-              <a:rPr lang="fr-FR" dirty="0" smtClean="0"/>
+              <a:rPr lang="fr-FR" dirty="0"/>
               <a:t>Notes</a:t>
             </a:r>
-            <a:endParaRPr lang="fr-FR" dirty="0"/>
           </a:p>
         </p:txBody>
       </p:sp>
@@ -3879,27 +4111,8 @@
                   </a:prstClr>
                 </a:solidFill>
               </a:rPr>
-              <a:t>Tristan Ramirez : </a:t>
-            </a:r>
-            <a:r>
-              <a:rPr lang="fr-FR" sz="2000" dirty="0" smtClean="0">
-                <a:solidFill>
-                  <a:prstClr val="black">
-                    <a:lumMod val="75000"/>
-                    <a:lumOff val="25000"/>
-                  </a:prstClr>
-                </a:solidFill>
-              </a:rPr>
-              <a:t>20</a:t>
-            </a:r>
-            <a:endParaRPr lang="fr-FR" sz="2000" dirty="0">
-              <a:solidFill>
-                <a:prstClr val="black">
-                  <a:lumMod val="75000"/>
-                  <a:lumOff val="25000"/>
-                </a:prstClr>
-              </a:solidFill>
-            </a:endParaRPr>
+              <a:t>Tristan Ramirez : 20</a:t>
+            </a:r>
           </a:p>
           <a:p>
             <a:pPr>
@@ -3938,27 +4151,8 @@
                   </a:prstClr>
                 </a:solidFill>
               </a:rPr>
-              <a:t> </a:t>
-            </a:r>
-            <a:r>
-              <a:rPr lang="fr-FR" sz="2000" dirty="0" smtClean="0">
-                <a:solidFill>
-                  <a:prstClr val="black">
-                    <a:lumMod val="75000"/>
-                    <a:lumOff val="25000"/>
-                  </a:prstClr>
-                </a:solidFill>
-              </a:rPr>
-              <a:t>: 20</a:t>
-            </a:r>
-            <a:endParaRPr lang="fr-FR" sz="2000" dirty="0">
-              <a:solidFill>
-                <a:prstClr val="black">
-                  <a:lumMod val="75000"/>
-                  <a:lumOff val="25000"/>
-                </a:prstClr>
-              </a:solidFill>
-            </a:endParaRPr>
+              <a:t> : 20</a:t>
+            </a:r>
           </a:p>
           <a:p>
             <a:pPr>
@@ -3975,10 +4169,10 @@
                   </a:prstClr>
                 </a:solidFill>
               </a:rPr>
-              <a:t>Alexandre Pares </a:t>
-            </a:r>
-            <a:r>
-              <a:rPr lang="fr-FR" sz="2000" dirty="0" smtClean="0">
+              <a:t>Alexandre </a:t>
+            </a:r>
+            <a:r>
+              <a:rPr lang="fr-FR" sz="2000" dirty="0" err="1">
                 <a:solidFill>
                   <a:prstClr val="black">
                     <a:lumMod val="75000"/>
@@ -3986,16 +4180,19 @@
                   </a:prstClr>
                 </a:solidFill>
               </a:rPr>
-              <a:t>: 20</a:t>
-            </a:r>
-            <a:endParaRPr lang="fr-FR" sz="2000" dirty="0">
-              <a:solidFill>
-                <a:prstClr val="black">
-                  <a:lumMod val="75000"/>
-                  <a:lumOff val="25000"/>
-                </a:prstClr>
-              </a:solidFill>
-            </a:endParaRPr>
+              <a:t>Parès</a:t>
+            </a:r>
+            <a:r>
+              <a:rPr lang="fr-FR" sz="2000" dirty="0">
+                <a:solidFill>
+                  <a:prstClr val="black">
+                    <a:lumMod val="75000"/>
+                    <a:lumOff val="25000"/>
+                  </a:prstClr>
+                </a:solidFill>
+              </a:rPr>
+              <a:t> : 20</a:t>
+            </a:r>
           </a:p>
         </p:txBody>
       </p:sp>
@@ -4009,13 +4206,6 @@
   <p:clrMapOvr>
     <a:masterClrMapping/>
   </p:clrMapOvr>
-  <p:timing>
-    <p:tnLst>
-      <p:par>
-        <p:cTn id="1" dur="indefinite" restart="never" nodeType="tmRoot"/>
-      </p:par>
-    </p:tnLst>
-  </p:timing>
 </p:sld>
 </file>
 
@@ -4116,13 +4306,6 @@
   <p:clrMapOvr>
     <a:masterClrMapping/>
   </p:clrMapOvr>
-  <p:timing>
-    <p:tnLst>
-      <p:par>
-        <p:cTn id="1" dur="indefinite" restart="never" nodeType="tmRoot"/>
-      </p:par>
-    </p:tnLst>
-  </p:timing>
 </p:sld>
 </file>
 

--- a/presentation/Slot Machine.pptx
+++ b/presentation/Slot Machine.pptx
@@ -5,18 +5,19 @@
     <p:sldMasterId id="2147483660" r:id="rId1"/>
   </p:sldMasterIdLst>
   <p:notesMasterIdLst>
-    <p:notesMasterId r:id="rId8"/>
+    <p:notesMasterId r:id="rId9"/>
   </p:notesMasterIdLst>
   <p:handoutMasterIdLst>
-    <p:handoutMasterId r:id="rId9"/>
+    <p:handoutMasterId r:id="rId10"/>
   </p:handoutMasterIdLst>
   <p:sldIdLst>
     <p:sldId id="256" r:id="rId2"/>
     <p:sldId id="273" r:id="rId3"/>
     <p:sldId id="276" r:id="rId4"/>
-    <p:sldId id="257" r:id="rId5"/>
-    <p:sldId id="274" r:id="rId6"/>
-    <p:sldId id="263" r:id="rId7"/>
+    <p:sldId id="277" r:id="rId5"/>
+    <p:sldId id="257" r:id="rId6"/>
+    <p:sldId id="274" r:id="rId7"/>
+    <p:sldId id="263" r:id="rId8"/>
   </p:sldIdLst>
   <p:sldSz cx="12192000" cy="6858000"/>
   <p:notesSz cx="6858000" cy="9144000"/>
@@ -837,7 +838,7 @@
             <a:pPr rtl="0"/>
             <a:fld id="{DF61EA0F-A667-4B49-8422-0062BC55E249}" type="slidenum">
               <a:rPr lang="en-US" smtClean="0"/>
-              <a:t>6</a:t>
+              <a:t>7</a:t>
             </a:fld>
             <a:endParaRPr lang="en-US"/>
           </a:p>
@@ -3723,6 +3724,83 @@
       </p:grpSpPr>
       <p:sp>
         <p:nvSpPr>
+          <p:cNvPr id="2" name="Espace réservé du texte 1"/>
+          <p:cNvSpPr>
+            <a:spLocks noGrp="1"/>
+          </p:cNvSpPr>
+          <p:nvPr>
+            <p:ph type="body" idx="1"/>
+          </p:nvPr>
+        </p:nvSpPr>
+        <p:spPr/>
+        <p:txBody>
+          <a:bodyPr/>
+          <a:lstStyle/>
+          <a:p>
+            <a:r>
+              <a:rPr lang="fr-FR" dirty="0" err="1"/>
+              <a:t>TeamWork</a:t>
+            </a:r>
+            <a:endParaRPr lang="fr-FR" dirty="0"/>
+          </a:p>
+        </p:txBody>
+      </p:sp>
+      <p:pic>
+        <p:nvPicPr>
+          <p:cNvPr id="6" name="Image 5"/>
+          <p:cNvPicPr>
+            <a:picLocks noChangeAspect="1"/>
+          </p:cNvPicPr>
+          <p:nvPr/>
+        </p:nvPicPr>
+        <p:blipFill>
+          <a:blip r:embed="rId2"/>
+          <a:stretch>
+            <a:fillRect/>
+          </a:stretch>
+        </p:blipFill>
+        <p:spPr>
+          <a:xfrm>
+            <a:off x="369116" y="2595446"/>
+            <a:ext cx="11476139" cy="1667108"/>
+          </a:xfrm>
+          <a:prstGeom prst="rect">
+            <a:avLst/>
+          </a:prstGeom>
+        </p:spPr>
+      </p:pic>
+    </p:spTree>
+    <p:extLst>
+      <p:ext uri="{BB962C8B-B14F-4D97-AF65-F5344CB8AC3E}">
+        <p14:creationId xmlns:p14="http://schemas.microsoft.com/office/powerpoint/2010/main" val="2568607580"/>
+      </p:ext>
+    </p:extLst>
+  </p:cSld>
+  <p:clrMapOvr>
+    <a:masterClrMapping/>
+  </p:clrMapOvr>
+</p:sld>
+</file>
+
+<file path=ppt/slides/slide5.xml><?xml version="1.0" encoding="utf-8"?>
+<p:sld xmlns:a="http://schemas.openxmlformats.org/drawingml/2006/main" xmlns:r="http://schemas.openxmlformats.org/officeDocument/2006/relationships" xmlns:p="http://schemas.openxmlformats.org/presentationml/2006/main">
+  <p:cSld>
+    <p:spTree>
+      <p:nvGrpSpPr>
+        <p:cNvPr id="1" name=""/>
+        <p:cNvGrpSpPr/>
+        <p:nvPr/>
+      </p:nvGrpSpPr>
+      <p:grpSpPr>
+        <a:xfrm>
+          <a:off x="0" y="0"/>
+          <a:ext cx="0" cy="0"/>
+          <a:chOff x="0" y="0"/>
+          <a:chExt cx="0" cy="0"/>
+        </a:xfrm>
+      </p:grpSpPr>
+      <p:sp>
+        <p:nvSpPr>
           <p:cNvPr id="4" name="Espace réservé du texte 3"/>
           <p:cNvSpPr>
             <a:spLocks noGrp="1"/>
@@ -4004,7 +4082,7 @@
                 </a:solidFill>
               </a:rPr>
               <a:pPr algn="r"/>
-              <a:t>4</a:t>
+              <a:t>5</a:t>
             </a:fld>
             <a:endParaRPr lang="fr-FR" dirty="0">
               <a:solidFill>
@@ -4041,174 +4119,6 @@
 </p:sld>
 </file>
 
-<file path=ppt/slides/slide5.xml><?xml version="1.0" encoding="utf-8"?>
-<p:sld xmlns:a="http://schemas.openxmlformats.org/drawingml/2006/main" xmlns:r="http://schemas.openxmlformats.org/officeDocument/2006/relationships" xmlns:p="http://schemas.openxmlformats.org/presentationml/2006/main">
-  <p:cSld>
-    <p:spTree>
-      <p:nvGrpSpPr>
-        <p:cNvPr id="1" name=""/>
-        <p:cNvGrpSpPr/>
-        <p:nvPr/>
-      </p:nvGrpSpPr>
-      <p:grpSpPr>
-        <a:xfrm>
-          <a:off x="0" y="0"/>
-          <a:ext cx="0" cy="0"/>
-          <a:chOff x="0" y="0"/>
-          <a:chExt cx="0" cy="0"/>
-        </a:xfrm>
-      </p:grpSpPr>
-      <p:sp>
-        <p:nvSpPr>
-          <p:cNvPr id="2" name="Espace réservé du texte 1"/>
-          <p:cNvSpPr>
-            <a:spLocks noGrp="1"/>
-          </p:cNvSpPr>
-          <p:nvPr>
-            <p:ph type="body" idx="1"/>
-          </p:nvPr>
-        </p:nvSpPr>
-        <p:spPr/>
-        <p:txBody>
-          <a:bodyPr/>
-          <a:lstStyle/>
-          <a:p>
-            <a:r>
-              <a:rPr lang="fr-FR" dirty="0"/>
-              <a:t>Notes</a:t>
-            </a:r>
-          </a:p>
-        </p:txBody>
-      </p:sp>
-      <p:sp>
-        <p:nvSpPr>
-          <p:cNvPr id="3" name="Espace réservé du contenu 2"/>
-          <p:cNvSpPr>
-            <a:spLocks noGrp="1"/>
-          </p:cNvSpPr>
-          <p:nvPr>
-            <p:ph sz="half" idx="2"/>
-          </p:nvPr>
-        </p:nvSpPr>
-        <p:spPr/>
-        <p:txBody>
-          <a:bodyPr>
-            <a:normAutofit/>
-          </a:bodyPr>
-          <a:lstStyle/>
-          <a:p>
-            <a:pPr>
-              <a:spcAft>
-                <a:spcPts val="2000"/>
-              </a:spcAft>
-            </a:pPr>
-            <a:r>
-              <a:rPr lang="fr-FR" sz="2000" dirty="0">
-                <a:solidFill>
-                  <a:prstClr val="black">
-                    <a:lumMod val="75000"/>
-                    <a:lumOff val="25000"/>
-                  </a:prstClr>
-                </a:solidFill>
-              </a:rPr>
-              <a:t>Tristan Ramirez : 20</a:t>
-            </a:r>
-          </a:p>
-          <a:p>
-            <a:pPr>
-              <a:spcAft>
-                <a:spcPts val="2000"/>
-              </a:spcAft>
-            </a:pPr>
-            <a:r>
-              <a:rPr lang="fr-FR" sz="2000" dirty="0">
-                <a:solidFill>
-                  <a:prstClr val="black">
-                    <a:lumMod val="75000"/>
-                    <a:lumOff val="25000"/>
-                  </a:prstClr>
-                </a:solidFill>
-              </a:rPr>
-              <a:t>Robin </a:t>
-            </a:r>
-            <a:r>
-              <a:rPr lang="fr-FR" sz="2000" dirty="0" err="1">
-                <a:solidFill>
-                  <a:prstClr val="black">
-                    <a:lumMod val="75000"/>
-                    <a:lumOff val="25000"/>
-                  </a:prstClr>
-                </a:solidFill>
-              </a:rPr>
-              <a:t>Silvert</a:t>
-            </a:r>
-            <a:r>
-              <a:rPr lang="fr-FR" sz="2000" dirty="0">
-                <a:solidFill>
-                  <a:prstClr val="black">
-                    <a:lumMod val="75000"/>
-                    <a:lumOff val="25000"/>
-                  </a:prstClr>
-                </a:solidFill>
-              </a:rPr>
-              <a:t> : 20</a:t>
-            </a:r>
-          </a:p>
-          <a:p>
-            <a:pPr>
-              <a:spcAft>
-                <a:spcPts val="2000"/>
-              </a:spcAft>
-            </a:pPr>
-            <a:r>
-              <a:rPr lang="fr-FR" sz="2000" dirty="0">
-                <a:solidFill>
-                  <a:prstClr val="black">
-                    <a:lumMod val="75000"/>
-                    <a:lumOff val="25000"/>
-                  </a:prstClr>
-                </a:solidFill>
-              </a:rPr>
-              <a:t>Alexandre </a:t>
-            </a:r>
-            <a:r>
-              <a:rPr lang="fr-FR" sz="2000" dirty="0" err="1">
-                <a:solidFill>
-                  <a:prstClr val="black">
-                    <a:lumMod val="75000"/>
-                    <a:lumOff val="25000"/>
-                  </a:prstClr>
-                </a:solidFill>
-              </a:rPr>
-              <a:t>Parès</a:t>
-            </a:r>
-            <a:r>
-              <a:rPr lang="fr-FR" sz="2000" dirty="0">
-                <a:solidFill>
-                  <a:prstClr val="black">
-                    <a:lumMod val="75000"/>
-                    <a:lumOff val="25000"/>
-                  </a:prstClr>
-                </a:solidFill>
-              </a:rPr>
-              <a:t> : 20</a:t>
-            </a:r>
-          </a:p>
-        </p:txBody>
-      </p:sp>
-    </p:spTree>
-    <p:extLst>
-      <p:ext uri="{BB962C8B-B14F-4D97-AF65-F5344CB8AC3E}">
-        <p14:creationId xmlns:p14="http://schemas.microsoft.com/office/powerpoint/2010/main" val="1662325667"/>
-      </p:ext>
-    </p:extLst>
-  </p:cSld>
-  <p:clrMapOvr>
-    <a:masterClrMapping/>
-  </p:clrMapOvr>
-</p:sld>
-</file>
-
 <file path=ppt/slides/slide6.xml><?xml version="1.0" encoding="utf-8"?>
 <p:sld xmlns:a="http://schemas.openxmlformats.org/drawingml/2006/main" xmlns:r="http://schemas.openxmlformats.org/officeDocument/2006/relationships" xmlns:p="http://schemas.openxmlformats.org/presentationml/2006/main">
   <p:cSld>
@@ -4228,6 +4138,174 @@
       </p:grpSpPr>
       <p:sp>
         <p:nvSpPr>
+          <p:cNvPr id="2" name="Espace réservé du texte 1"/>
+          <p:cNvSpPr>
+            <a:spLocks noGrp="1"/>
+          </p:cNvSpPr>
+          <p:nvPr>
+            <p:ph type="body" idx="1"/>
+          </p:nvPr>
+        </p:nvSpPr>
+        <p:spPr/>
+        <p:txBody>
+          <a:bodyPr/>
+          <a:lstStyle/>
+          <a:p>
+            <a:r>
+              <a:rPr lang="fr-FR" dirty="0"/>
+              <a:t>Notes</a:t>
+            </a:r>
+          </a:p>
+        </p:txBody>
+      </p:sp>
+      <p:sp>
+        <p:nvSpPr>
+          <p:cNvPr id="3" name="Espace réservé du contenu 2"/>
+          <p:cNvSpPr>
+            <a:spLocks noGrp="1"/>
+          </p:cNvSpPr>
+          <p:nvPr>
+            <p:ph sz="half" idx="2"/>
+          </p:nvPr>
+        </p:nvSpPr>
+        <p:spPr/>
+        <p:txBody>
+          <a:bodyPr>
+            <a:normAutofit/>
+          </a:bodyPr>
+          <a:lstStyle/>
+          <a:p>
+            <a:pPr>
+              <a:spcAft>
+                <a:spcPts val="2000"/>
+              </a:spcAft>
+            </a:pPr>
+            <a:r>
+              <a:rPr lang="fr-FR" sz="2000" dirty="0">
+                <a:solidFill>
+                  <a:prstClr val="black">
+                    <a:lumMod val="75000"/>
+                    <a:lumOff val="25000"/>
+                  </a:prstClr>
+                </a:solidFill>
+              </a:rPr>
+              <a:t>Tristan Ramirez : 20</a:t>
+            </a:r>
+          </a:p>
+          <a:p>
+            <a:pPr>
+              <a:spcAft>
+                <a:spcPts val="2000"/>
+              </a:spcAft>
+            </a:pPr>
+            <a:r>
+              <a:rPr lang="fr-FR" sz="2000" dirty="0">
+                <a:solidFill>
+                  <a:prstClr val="black">
+                    <a:lumMod val="75000"/>
+                    <a:lumOff val="25000"/>
+                  </a:prstClr>
+                </a:solidFill>
+              </a:rPr>
+              <a:t>Robin </a:t>
+            </a:r>
+            <a:r>
+              <a:rPr lang="fr-FR" sz="2000" dirty="0" err="1">
+                <a:solidFill>
+                  <a:prstClr val="black">
+                    <a:lumMod val="75000"/>
+                    <a:lumOff val="25000"/>
+                  </a:prstClr>
+                </a:solidFill>
+              </a:rPr>
+              <a:t>Silvert</a:t>
+            </a:r>
+            <a:r>
+              <a:rPr lang="fr-FR" sz="2000" dirty="0">
+                <a:solidFill>
+                  <a:prstClr val="black">
+                    <a:lumMod val="75000"/>
+                    <a:lumOff val="25000"/>
+                  </a:prstClr>
+                </a:solidFill>
+              </a:rPr>
+              <a:t> : 20</a:t>
+            </a:r>
+          </a:p>
+          <a:p>
+            <a:pPr>
+              <a:spcAft>
+                <a:spcPts val="2000"/>
+              </a:spcAft>
+            </a:pPr>
+            <a:r>
+              <a:rPr lang="fr-FR" sz="2000" dirty="0">
+                <a:solidFill>
+                  <a:prstClr val="black">
+                    <a:lumMod val="75000"/>
+                    <a:lumOff val="25000"/>
+                  </a:prstClr>
+                </a:solidFill>
+              </a:rPr>
+              <a:t>Alexandre </a:t>
+            </a:r>
+            <a:r>
+              <a:rPr lang="fr-FR" sz="2000" dirty="0" err="1">
+                <a:solidFill>
+                  <a:prstClr val="black">
+                    <a:lumMod val="75000"/>
+                    <a:lumOff val="25000"/>
+                  </a:prstClr>
+                </a:solidFill>
+              </a:rPr>
+              <a:t>Parès</a:t>
+            </a:r>
+            <a:r>
+              <a:rPr lang="fr-FR" sz="2000" dirty="0">
+                <a:solidFill>
+                  <a:prstClr val="black">
+                    <a:lumMod val="75000"/>
+                    <a:lumOff val="25000"/>
+                  </a:prstClr>
+                </a:solidFill>
+              </a:rPr>
+              <a:t> : 20</a:t>
+            </a:r>
+          </a:p>
+        </p:txBody>
+      </p:sp>
+    </p:spTree>
+    <p:extLst>
+      <p:ext uri="{BB962C8B-B14F-4D97-AF65-F5344CB8AC3E}">
+        <p14:creationId xmlns:p14="http://schemas.microsoft.com/office/powerpoint/2010/main" val="1662325667"/>
+      </p:ext>
+    </p:extLst>
+  </p:cSld>
+  <p:clrMapOvr>
+    <a:masterClrMapping/>
+  </p:clrMapOvr>
+</p:sld>
+</file>
+
+<file path=ppt/slides/slide7.xml><?xml version="1.0" encoding="utf-8"?>
+<p:sld xmlns:a="http://schemas.openxmlformats.org/drawingml/2006/main" xmlns:r="http://schemas.openxmlformats.org/officeDocument/2006/relationships" xmlns:p="http://schemas.openxmlformats.org/presentationml/2006/main">
+  <p:cSld>
+    <p:spTree>
+      <p:nvGrpSpPr>
+        <p:cNvPr id="1" name=""/>
+        <p:cNvGrpSpPr/>
+        <p:nvPr/>
+      </p:nvGrpSpPr>
+      <p:grpSpPr>
+        <a:xfrm>
+          <a:off x="0" y="0"/>
+          <a:ext cx="0" cy="0"/>
+          <a:chOff x="0" y="0"/>
+          <a:chExt cx="0" cy="0"/>
+        </a:xfrm>
+      </p:grpSpPr>
+      <p:sp>
+        <p:nvSpPr>
           <p:cNvPr id="6" name="Espace réservé du texte 5"/>
           <p:cNvSpPr>
             <a:spLocks noGrp="1"/>
@@ -4284,7 +4362,7 @@
                 </a:solidFill>
               </a:rPr>
               <a:pPr algn="r" rtl="0"/>
-              <a:t>6</a:t>
+              <a:t>7</a:t>
             </a:fld>
             <a:endParaRPr lang="fr-FR" sz="1800" dirty="0">
               <a:solidFill>

--- a/presentation/Slot Machine.pptx
+++ b/presentation/Slot Machine.pptx
@@ -3769,6 +3769,143 @@
           </a:prstGeom>
         </p:spPr>
       </p:pic>
+      <p:sp>
+        <p:nvSpPr>
+          <p:cNvPr id="4" name="Espace réservé du numéro de diapositive 8"/>
+          <p:cNvSpPr txBox="1">
+            <a:spLocks/>
+          </p:cNvSpPr>
+          <p:nvPr/>
+        </p:nvSpPr>
+        <p:spPr>
+          <a:xfrm>
+            <a:off x="8647651" y="6205350"/>
+            <a:ext cx="3276600" cy="365125"/>
+          </a:xfrm>
+          <a:prstGeom prst="rect">
+            <a:avLst/>
+          </a:prstGeom>
+        </p:spPr>
+        <p:txBody>
+          <a:bodyPr/>
+          <a:lstStyle>
+            <a:defPPr rtl="0">
+              <a:defRPr lang="fr-FR"/>
+            </a:defPPr>
+            <a:lvl1pPr marL="0" algn="l" defTabSz="914400" rtl="0" eaLnBrk="1" latinLnBrk="0" hangingPunct="1">
+              <a:defRPr sz="1800" kern="1200">
+                <a:solidFill>
+                  <a:schemeClr val="tx1"/>
+                </a:solidFill>
+                <a:latin typeface="+mn-lt"/>
+                <a:ea typeface="+mn-ea"/>
+                <a:cs typeface="+mn-cs"/>
+              </a:defRPr>
+            </a:lvl1pPr>
+            <a:lvl2pPr marL="457200" algn="l" defTabSz="914400" rtl="0" eaLnBrk="1" latinLnBrk="0" hangingPunct="1">
+              <a:defRPr sz="1800" kern="1200">
+                <a:solidFill>
+                  <a:schemeClr val="tx1"/>
+                </a:solidFill>
+                <a:latin typeface="+mn-lt"/>
+                <a:ea typeface="+mn-ea"/>
+                <a:cs typeface="+mn-cs"/>
+              </a:defRPr>
+            </a:lvl2pPr>
+            <a:lvl3pPr marL="914400" algn="l" defTabSz="914400" rtl="0" eaLnBrk="1" latinLnBrk="0" hangingPunct="1">
+              <a:defRPr sz="1800" kern="1200">
+                <a:solidFill>
+                  <a:schemeClr val="tx1"/>
+                </a:solidFill>
+                <a:latin typeface="+mn-lt"/>
+                <a:ea typeface="+mn-ea"/>
+                <a:cs typeface="+mn-cs"/>
+              </a:defRPr>
+            </a:lvl3pPr>
+            <a:lvl4pPr marL="1371600" algn="l" defTabSz="914400" rtl="0" eaLnBrk="1" latinLnBrk="0" hangingPunct="1">
+              <a:defRPr sz="1800" kern="1200">
+                <a:solidFill>
+                  <a:schemeClr val="tx1"/>
+                </a:solidFill>
+                <a:latin typeface="+mn-lt"/>
+                <a:ea typeface="+mn-ea"/>
+                <a:cs typeface="+mn-cs"/>
+              </a:defRPr>
+            </a:lvl4pPr>
+            <a:lvl5pPr marL="1828800" algn="l" defTabSz="914400" rtl="0" eaLnBrk="1" latinLnBrk="0" hangingPunct="1">
+              <a:defRPr sz="1800" kern="1200">
+                <a:solidFill>
+                  <a:schemeClr val="tx1"/>
+                </a:solidFill>
+                <a:latin typeface="+mn-lt"/>
+                <a:ea typeface="+mn-ea"/>
+                <a:cs typeface="+mn-cs"/>
+              </a:defRPr>
+            </a:lvl5pPr>
+            <a:lvl6pPr marL="2286000" algn="l" defTabSz="914400" rtl="0" eaLnBrk="1" latinLnBrk="0" hangingPunct="1">
+              <a:defRPr sz="1800" kern="1200">
+                <a:solidFill>
+                  <a:schemeClr val="tx1"/>
+                </a:solidFill>
+                <a:latin typeface="+mn-lt"/>
+                <a:ea typeface="+mn-ea"/>
+                <a:cs typeface="+mn-cs"/>
+              </a:defRPr>
+            </a:lvl6pPr>
+            <a:lvl7pPr marL="2743200" algn="l" defTabSz="914400" rtl="0" eaLnBrk="1" latinLnBrk="0" hangingPunct="1">
+              <a:defRPr sz="1800" kern="1200">
+                <a:solidFill>
+                  <a:schemeClr val="tx1"/>
+                </a:solidFill>
+                <a:latin typeface="+mn-lt"/>
+                <a:ea typeface="+mn-ea"/>
+                <a:cs typeface="+mn-cs"/>
+              </a:defRPr>
+            </a:lvl7pPr>
+            <a:lvl8pPr marL="3200400" algn="l" defTabSz="914400" rtl="0" eaLnBrk="1" latinLnBrk="0" hangingPunct="1">
+              <a:defRPr sz="1800" kern="1200">
+                <a:solidFill>
+                  <a:schemeClr val="tx1"/>
+                </a:solidFill>
+                <a:latin typeface="+mn-lt"/>
+                <a:ea typeface="+mn-ea"/>
+                <a:cs typeface="+mn-cs"/>
+              </a:defRPr>
+            </a:lvl8pPr>
+            <a:lvl9pPr marL="3657600" algn="l" defTabSz="914400" rtl="0" eaLnBrk="1" latinLnBrk="0" hangingPunct="1">
+              <a:defRPr sz="1800" kern="1200">
+                <a:solidFill>
+                  <a:schemeClr val="tx1"/>
+                </a:solidFill>
+                <a:latin typeface="+mn-lt"/>
+                <a:ea typeface="+mn-ea"/>
+                <a:cs typeface="+mn-cs"/>
+              </a:defRPr>
+            </a:lvl9pPr>
+          </a:lstStyle>
+          <a:p>
+            <a:pPr algn="r"/>
+            <a:fld id="{9860EDB8-5305-433F-BE41-D7A86D811DB3}" type="slidenum">
+              <a:rPr lang="fr-FR" smtClean="0">
+                <a:solidFill>
+                  <a:schemeClr val="bg1">
+                    <a:lumMod val="50000"/>
+                  </a:schemeClr>
+                </a:solidFill>
+              </a:rPr>
+              <a:pPr algn="r"/>
+              <a:t>4</a:t>
+            </a:fld>
+            <a:endParaRPr lang="fr-FR" dirty="0">
+              <a:solidFill>
+                <a:schemeClr val="bg1">
+                  <a:lumMod val="50000"/>
+                </a:schemeClr>
+              </a:solidFill>
+            </a:endParaRPr>
+          </a:p>
+        </p:txBody>
+      </p:sp>
     </p:spTree>
     <p:extLst>
       <p:ext uri="{BB962C8B-B14F-4D97-AF65-F5344CB8AC3E}">
